--- a/Guilherme Passos.pptx
+++ b/Guilherme Passos.pptx
@@ -5,13 +5,14 @@
     <p:sldMasterId id="2147483660" r:id="rId1"/>
   </p:sldMasterIdLst>
   <p:notesMasterIdLst>
-    <p:notesMasterId r:id="rId3"/>
+    <p:notesMasterId r:id="rId4"/>
   </p:notesMasterIdLst>
   <p:handoutMasterIdLst>
-    <p:handoutMasterId r:id="rId4"/>
+    <p:handoutMasterId r:id="rId5"/>
   </p:handoutMasterIdLst>
   <p:sldIdLst>
     <p:sldId id="309" r:id="rId2"/>
+    <p:sldId id="256" r:id="rId3"/>
   </p:sldIdLst>
   <p:sldSz cx="12192000" cy="6858000"/>
   <p:notesSz cx="6858000" cy="9144000"/>
@@ -111,6 +112,16 @@
     </a:lvl9pPr>
   </p:defaultTextStyle>
   <p:extLst>
+    <p:ext uri="{521415D9-36F7-43E2-AB2F-B90AF26B5E84}">
+      <p14:sectionLst xmlns:p14="http://schemas.microsoft.com/office/powerpoint/2010/main">
+        <p14:section name="Seção Padrão" id="{A3E054DF-358D-4B77-BAC5-39C756C81769}">
+          <p14:sldIdLst>
+            <p14:sldId id="309"/>
+            <p14:sldId id="256"/>
+          </p14:sldIdLst>
+        </p14:section>
+      </p14:sectionLst>
+    </p:ext>
     <p:ext uri="{EFAFB233-063F-42B5-8137-9DF3F51BA10A}">
       <p15:sldGuideLst xmlns:p15="http://schemas.microsoft.com/office/powerpoint/2012/main">
         <p15:guide id="1" orient="horz" pos="2208" userDrawn="1">
@@ -3470,6 +3481,2353 @@
 </p:sldLayout>
 </file>
 
+<file path=ppt/slideLayouts/slideLayout3.xml><?xml version="1.0" encoding="utf-8"?>
+<p:sldLayout xmlns:a="http://schemas.openxmlformats.org/drawingml/2006/main" xmlns:r="http://schemas.openxmlformats.org/officeDocument/2006/relationships" xmlns:p="http://schemas.openxmlformats.org/presentationml/2006/main" userDrawn="1">
+  <p:cSld name="Slide de Título">
+    <p:bg>
+      <p:bgPr>
+        <a:gradFill>
+          <a:gsLst>
+            <a:gs pos="1000">
+              <a:schemeClr val="bg1">
+                <a:lumMod val="95000"/>
+              </a:schemeClr>
+            </a:gs>
+            <a:gs pos="100000">
+              <a:schemeClr val="bg1"/>
+            </a:gs>
+          </a:gsLst>
+          <a:lin ang="5400000" scaled="1"/>
+        </a:gradFill>
+        <a:effectLst/>
+      </p:bgPr>
+    </p:bg>
+    <p:spTree>
+      <p:nvGrpSpPr>
+        <p:cNvPr id="1" name=""/>
+        <p:cNvGrpSpPr/>
+        <p:nvPr/>
+      </p:nvGrpSpPr>
+      <p:grpSpPr>
+        <a:xfrm>
+          <a:off x="0" y="0"/>
+          <a:ext cx="0" cy="0"/>
+          <a:chOff x="0" y="0"/>
+          <a:chExt cx="0" cy="0"/>
+        </a:xfrm>
+      </p:grpSpPr>
+      <p:grpSp>
+        <p:nvGrpSpPr>
+          <p:cNvPr id="45" name="Grupo 44">
+            <a:extLst>
+              <a:ext uri="{FF2B5EF4-FFF2-40B4-BE49-F238E27FC236}">
+                <a16:creationId xmlns:a16="http://schemas.microsoft.com/office/drawing/2014/main" id="{73D4E5E2-CF41-47B2-9F50-8E509C9A95B2}"/>
+              </a:ext>
+            </a:extLst>
+          </p:cNvPr>
+          <p:cNvGrpSpPr/>
+          <p:nvPr userDrawn="1"/>
+        </p:nvGrpSpPr>
+        <p:grpSpPr>
+          <a:xfrm>
+            <a:off x="376199" y="1131290"/>
+            <a:ext cx="2481539" cy="2845072"/>
+            <a:chOff x="449781" y="731902"/>
+            <a:chExt cx="2481539" cy="2845072"/>
+          </a:xfrm>
+        </p:grpSpPr>
+        <p:sp>
+          <p:nvSpPr>
+            <p:cNvPr id="20" name="Forma Livre: Forma 19">
+              <a:extLst>
+                <a:ext uri="{FF2B5EF4-FFF2-40B4-BE49-F238E27FC236}">
+                  <a16:creationId xmlns:a16="http://schemas.microsoft.com/office/drawing/2014/main" id="{BCC4D1C1-96FF-4B5E-B7DD-A50D49276E83}"/>
+                </a:ext>
+              </a:extLst>
+            </p:cNvPr>
+            <p:cNvSpPr/>
+            <p:nvPr userDrawn="1"/>
+          </p:nvSpPr>
+          <p:spPr>
+            <a:xfrm>
+              <a:off x="1193960" y="3327592"/>
+              <a:ext cx="1737360" cy="249382"/>
+            </a:xfrm>
+            <a:custGeom>
+              <a:avLst/>
+              <a:gdLst>
+                <a:gd name="connsiteX0" fmla="*/ 0 w 1518458"/>
+                <a:gd name="connsiteY0" fmla="*/ 0 h 249382"/>
+                <a:gd name="connsiteX1" fmla="*/ 1393767 w 1518458"/>
+                <a:gd name="connsiteY1" fmla="*/ 0 h 249382"/>
+                <a:gd name="connsiteX2" fmla="*/ 1518458 w 1518458"/>
+                <a:gd name="connsiteY2" fmla="*/ 124691 h 249382"/>
+                <a:gd name="connsiteX3" fmla="*/ 1393767 w 1518458"/>
+                <a:gd name="connsiteY3" fmla="*/ 249382 h 249382"/>
+                <a:gd name="connsiteX4" fmla="*/ 0 w 1518458"/>
+                <a:gd name="connsiteY4" fmla="*/ 249382 h 249382"/>
+                <a:gd name="connsiteX5" fmla="*/ 124691 w 1518458"/>
+                <a:gd name="connsiteY5" fmla="*/ 124691 h 249382"/>
+              </a:gdLst>
+              <a:ahLst/>
+              <a:cxnLst>
+                <a:cxn ang="0">
+                  <a:pos x="connsiteX0" y="connsiteY0"/>
+                </a:cxn>
+                <a:cxn ang="0">
+                  <a:pos x="connsiteX1" y="connsiteY1"/>
+                </a:cxn>
+                <a:cxn ang="0">
+                  <a:pos x="connsiteX2" y="connsiteY2"/>
+                </a:cxn>
+                <a:cxn ang="0">
+                  <a:pos x="connsiteX3" y="connsiteY3"/>
+                </a:cxn>
+                <a:cxn ang="0">
+                  <a:pos x="connsiteX4" y="connsiteY4"/>
+                </a:cxn>
+                <a:cxn ang="0">
+                  <a:pos x="connsiteX5" y="connsiteY5"/>
+                </a:cxn>
+              </a:cxnLst>
+              <a:rect l="l" t="t" r="r" b="b"/>
+              <a:pathLst>
+                <a:path w="1518458" h="249382">
+                  <a:moveTo>
+                    <a:pt x="0" y="0"/>
+                  </a:moveTo>
+                  <a:lnTo>
+                    <a:pt x="1393767" y="0"/>
+                  </a:lnTo>
+                  <a:lnTo>
+                    <a:pt x="1518458" y="124691"/>
+                  </a:lnTo>
+                  <a:lnTo>
+                    <a:pt x="1393767" y="249382"/>
+                  </a:lnTo>
+                  <a:lnTo>
+                    <a:pt x="0" y="249382"/>
+                  </a:lnTo>
+                  <a:lnTo>
+                    <a:pt x="124691" y="124691"/>
+                  </a:lnTo>
+                  <a:close/>
+                </a:path>
+              </a:pathLst>
+            </a:custGeom>
+            <a:ln>
+              <a:noFill/>
+            </a:ln>
+          </p:spPr>
+          <p:style>
+            <a:lnRef idx="2">
+              <a:schemeClr val="accent1">
+                <a:shade val="50000"/>
+              </a:schemeClr>
+            </a:lnRef>
+            <a:fillRef idx="1">
+              <a:schemeClr val="accent1"/>
+            </a:fillRef>
+            <a:effectRef idx="0">
+              <a:schemeClr val="accent1"/>
+            </a:effectRef>
+            <a:fontRef idx="minor">
+              <a:schemeClr val="lt1"/>
+            </a:fontRef>
+          </p:style>
+          <p:txBody>
+            <a:bodyPr rtlCol="0" anchor="ctr"/>
+            <a:lstStyle/>
+            <a:p>
+              <a:pPr algn="ctr" rtl="0"/>
+              <a:endParaRPr lang="pt-BR" dirty="0"/>
+            </a:p>
+          </p:txBody>
+        </p:sp>
+        <p:grpSp>
+          <p:nvGrpSpPr>
+            <p:cNvPr id="27" name="Grupo 26">
+              <a:extLst>
+                <a:ext uri="{FF2B5EF4-FFF2-40B4-BE49-F238E27FC236}">
+                  <a16:creationId xmlns:a16="http://schemas.microsoft.com/office/drawing/2014/main" id="{F2012E6F-AA94-4B9B-B931-BB7EF01CF600}"/>
+                </a:ext>
+              </a:extLst>
+            </p:cNvPr>
+            <p:cNvGrpSpPr/>
+            <p:nvPr userDrawn="1"/>
+          </p:nvGrpSpPr>
+          <p:grpSpPr>
+            <a:xfrm>
+              <a:off x="449781" y="731902"/>
+              <a:ext cx="990600" cy="2845072"/>
+              <a:chOff x="310246" y="679523"/>
+              <a:chExt cx="990600" cy="2845072"/>
+            </a:xfrm>
+          </p:grpSpPr>
+          <p:sp>
+            <p:nvSpPr>
+              <p:cNvPr id="23" name="Fluxograma: Exibição 22">
+                <a:extLst>
+                  <a:ext uri="{FF2B5EF4-FFF2-40B4-BE49-F238E27FC236}">
+                    <a16:creationId xmlns:a16="http://schemas.microsoft.com/office/drawing/2014/main" id="{06ACE013-89A3-4AEB-A597-B259D50DE211}"/>
+                  </a:ext>
+                </a:extLst>
+              </p:cNvPr>
+              <p:cNvSpPr/>
+              <p:nvPr userDrawn="1"/>
+            </p:nvSpPr>
+            <p:spPr>
+              <a:xfrm rot="16200000">
+                <a:off x="289079" y="700690"/>
+                <a:ext cx="1032933" cy="990600"/>
+              </a:xfrm>
+              <a:prstGeom prst="flowChartDisplay">
+                <a:avLst/>
+              </a:prstGeom>
+              <a:solidFill>
+                <a:schemeClr val="bg1"/>
+              </a:solidFill>
+              <a:ln w="101600">
+                <a:solidFill>
+                  <a:schemeClr val="accent1"/>
+                </a:solidFill>
+              </a:ln>
+            </p:spPr>
+            <p:style>
+              <a:lnRef idx="2">
+                <a:schemeClr val="accent1">
+                  <a:shade val="50000"/>
+                </a:schemeClr>
+              </a:lnRef>
+              <a:fillRef idx="1">
+                <a:schemeClr val="accent1"/>
+              </a:fillRef>
+              <a:effectRef idx="0">
+                <a:schemeClr val="accent1"/>
+              </a:effectRef>
+              <a:fontRef idx="minor">
+                <a:schemeClr val="lt1"/>
+              </a:fontRef>
+            </p:style>
+            <p:txBody>
+              <a:bodyPr rtlCol="0" anchor="ctr"/>
+              <a:lstStyle/>
+              <a:p>
+                <a:pPr algn="ctr" rtl="0"/>
+                <a:endParaRPr lang="pt-BR" dirty="0"/>
+              </a:p>
+            </p:txBody>
+          </p:sp>
+          <p:sp>
+            <p:nvSpPr>
+              <p:cNvPr id="24" name="Lágrima 23">
+                <a:extLst>
+                  <a:ext uri="{FF2B5EF4-FFF2-40B4-BE49-F238E27FC236}">
+                    <a16:creationId xmlns:a16="http://schemas.microsoft.com/office/drawing/2014/main" id="{42F02DED-3AF6-42D6-8F14-3D482EA27166}"/>
+                  </a:ext>
+                </a:extLst>
+              </p:cNvPr>
+              <p:cNvSpPr/>
+              <p:nvPr userDrawn="1"/>
+            </p:nvSpPr>
+            <p:spPr>
+              <a:xfrm rot="18899663">
+                <a:off x="680854" y="3275213"/>
+                <a:ext cx="249382" cy="249382"/>
+              </a:xfrm>
+              <a:prstGeom prst="teardrop">
+                <a:avLst/>
+              </a:prstGeom>
+              <a:solidFill>
+                <a:schemeClr val="bg1"/>
+              </a:solidFill>
+              <a:ln w="50800">
+                <a:solidFill>
+                  <a:schemeClr val="accent1"/>
+                </a:solidFill>
+              </a:ln>
+            </p:spPr>
+            <p:style>
+              <a:lnRef idx="2">
+                <a:schemeClr val="accent1">
+                  <a:shade val="50000"/>
+                </a:schemeClr>
+              </a:lnRef>
+              <a:fillRef idx="1">
+                <a:schemeClr val="accent1"/>
+              </a:fillRef>
+              <a:effectRef idx="0">
+                <a:schemeClr val="accent1"/>
+              </a:effectRef>
+              <a:fontRef idx="minor">
+                <a:schemeClr val="lt1"/>
+              </a:fontRef>
+            </p:style>
+            <p:txBody>
+              <a:bodyPr rtlCol="0" anchor="ctr"/>
+              <a:lstStyle/>
+              <a:p>
+                <a:pPr algn="ctr" rtl="0"/>
+                <a:endParaRPr lang="pt-BR" dirty="0"/>
+              </a:p>
+            </p:txBody>
+          </p:sp>
+          <p:cxnSp>
+            <p:nvCxnSpPr>
+              <p:cNvPr id="26" name="Conector Reto 25">
+                <a:extLst>
+                  <a:ext uri="{FF2B5EF4-FFF2-40B4-BE49-F238E27FC236}">
+                    <a16:creationId xmlns:a16="http://schemas.microsoft.com/office/drawing/2014/main" id="{3FE00D23-23DB-450E-8342-BF40414DBB9A}"/>
+                  </a:ext>
+                </a:extLst>
+              </p:cNvPr>
+              <p:cNvCxnSpPr>
+                <a:stCxn id="23" idx="1"/>
+                <a:endCxn id="24" idx="7"/>
+              </p:cNvCxnSpPr>
+              <p:nvPr userDrawn="1"/>
+            </p:nvCxnSpPr>
+            <p:spPr>
+              <a:xfrm flipH="1">
+                <a:off x="805528" y="1712457"/>
+                <a:ext cx="18" cy="1511107"/>
+              </a:xfrm>
+              <a:prstGeom prst="line">
+                <a:avLst/>
+              </a:prstGeom>
+              <a:ln w="50800">
+                <a:solidFill>
+                  <a:schemeClr val="accent1"/>
+                </a:solidFill>
+              </a:ln>
+            </p:spPr>
+            <p:style>
+              <a:lnRef idx="1">
+                <a:schemeClr val="accent1"/>
+              </a:lnRef>
+              <a:fillRef idx="0">
+                <a:schemeClr val="accent1"/>
+              </a:fillRef>
+              <a:effectRef idx="0">
+                <a:schemeClr val="accent1"/>
+              </a:effectRef>
+              <a:fontRef idx="minor">
+                <a:schemeClr val="tx1"/>
+              </a:fontRef>
+            </p:style>
+          </p:cxnSp>
+        </p:grpSp>
+      </p:grpSp>
+      <p:sp>
+        <p:nvSpPr>
+          <p:cNvPr id="50" name="Retângulo: Cantos arredondados 49">
+            <a:extLst>
+              <a:ext uri="{FF2B5EF4-FFF2-40B4-BE49-F238E27FC236}">
+                <a16:creationId xmlns:a16="http://schemas.microsoft.com/office/drawing/2014/main" id="{3B465149-90D5-4AA1-919B-893CAE488574}"/>
+              </a:ext>
+            </a:extLst>
+          </p:cNvPr>
+          <p:cNvSpPr/>
+          <p:nvPr userDrawn="1"/>
+        </p:nvSpPr>
+        <p:spPr>
+          <a:xfrm>
+            <a:off x="1120378" y="2301766"/>
+            <a:ext cx="1737360" cy="1282263"/>
+          </a:xfrm>
+          <a:prstGeom prst="roundRect">
+            <a:avLst>
+              <a:gd name="adj" fmla="val 10074"/>
+            </a:avLst>
+          </a:prstGeom>
+          <a:solidFill>
+            <a:schemeClr val="bg1"/>
+          </a:solidFill>
+          <a:ln w="38100">
+            <a:solidFill>
+              <a:schemeClr val="accent1"/>
+            </a:solidFill>
+          </a:ln>
+        </p:spPr>
+        <p:style>
+          <a:lnRef idx="2">
+            <a:schemeClr val="accent1">
+              <a:shade val="50000"/>
+            </a:schemeClr>
+          </a:lnRef>
+          <a:fillRef idx="1">
+            <a:schemeClr val="accent1"/>
+          </a:fillRef>
+          <a:effectRef idx="0">
+            <a:schemeClr val="accent1"/>
+          </a:effectRef>
+          <a:fontRef idx="minor">
+            <a:schemeClr val="lt1"/>
+          </a:fontRef>
+        </p:style>
+        <p:txBody>
+          <a:bodyPr rtlCol="0" anchor="ctr"/>
+          <a:lstStyle/>
+          <a:p>
+            <a:pPr algn="ctr" rtl="0"/>
+            <a:endParaRPr lang="pt-BR" dirty="0"/>
+          </a:p>
+        </p:txBody>
+      </p:sp>
+      <p:grpSp>
+        <p:nvGrpSpPr>
+          <p:cNvPr id="46" name="Grupo 45">
+            <a:extLst>
+              <a:ext uri="{FF2B5EF4-FFF2-40B4-BE49-F238E27FC236}">
+                <a16:creationId xmlns:a16="http://schemas.microsoft.com/office/drawing/2014/main" id="{09E75E0F-91D4-48B9-B8D7-50C65E859BA3}"/>
+              </a:ext>
+            </a:extLst>
+          </p:cNvPr>
+          <p:cNvGrpSpPr/>
+          <p:nvPr userDrawn="1"/>
+        </p:nvGrpSpPr>
+        <p:grpSpPr>
+          <a:xfrm>
+            <a:off x="2636182" y="3724159"/>
+            <a:ext cx="2481241" cy="2845072"/>
+            <a:chOff x="3580478" y="3327592"/>
+            <a:chExt cx="2481241" cy="2845072"/>
+          </a:xfrm>
+        </p:grpSpPr>
+        <p:sp>
+          <p:nvSpPr>
+            <p:cNvPr id="19" name="Forma Livre: Forma 18">
+              <a:extLst>
+                <a:ext uri="{FF2B5EF4-FFF2-40B4-BE49-F238E27FC236}">
+                  <a16:creationId xmlns:a16="http://schemas.microsoft.com/office/drawing/2014/main" id="{0DD68C0D-A017-45D6-BB27-9B3E06DDB704}"/>
+                </a:ext>
+              </a:extLst>
+            </p:cNvPr>
+            <p:cNvSpPr/>
+            <p:nvPr userDrawn="1"/>
+          </p:nvSpPr>
+          <p:spPr>
+            <a:xfrm>
+              <a:off x="4324359" y="3327592"/>
+              <a:ext cx="1737360" cy="249382"/>
+            </a:xfrm>
+            <a:custGeom>
+              <a:avLst/>
+              <a:gdLst>
+                <a:gd name="connsiteX0" fmla="*/ 0 w 1518458"/>
+                <a:gd name="connsiteY0" fmla="*/ 0 h 249382"/>
+                <a:gd name="connsiteX1" fmla="*/ 1393767 w 1518458"/>
+                <a:gd name="connsiteY1" fmla="*/ 0 h 249382"/>
+                <a:gd name="connsiteX2" fmla="*/ 1518458 w 1518458"/>
+                <a:gd name="connsiteY2" fmla="*/ 124691 h 249382"/>
+                <a:gd name="connsiteX3" fmla="*/ 1393767 w 1518458"/>
+                <a:gd name="connsiteY3" fmla="*/ 249382 h 249382"/>
+                <a:gd name="connsiteX4" fmla="*/ 0 w 1518458"/>
+                <a:gd name="connsiteY4" fmla="*/ 249382 h 249382"/>
+                <a:gd name="connsiteX5" fmla="*/ 124691 w 1518458"/>
+                <a:gd name="connsiteY5" fmla="*/ 124691 h 249382"/>
+              </a:gdLst>
+              <a:ahLst/>
+              <a:cxnLst>
+                <a:cxn ang="0">
+                  <a:pos x="connsiteX0" y="connsiteY0"/>
+                </a:cxn>
+                <a:cxn ang="0">
+                  <a:pos x="connsiteX1" y="connsiteY1"/>
+                </a:cxn>
+                <a:cxn ang="0">
+                  <a:pos x="connsiteX2" y="connsiteY2"/>
+                </a:cxn>
+                <a:cxn ang="0">
+                  <a:pos x="connsiteX3" y="connsiteY3"/>
+                </a:cxn>
+                <a:cxn ang="0">
+                  <a:pos x="connsiteX4" y="connsiteY4"/>
+                </a:cxn>
+                <a:cxn ang="0">
+                  <a:pos x="connsiteX5" y="connsiteY5"/>
+                </a:cxn>
+              </a:cxnLst>
+              <a:rect l="l" t="t" r="r" b="b"/>
+              <a:pathLst>
+                <a:path w="1518458" h="249382">
+                  <a:moveTo>
+                    <a:pt x="0" y="0"/>
+                  </a:moveTo>
+                  <a:lnTo>
+                    <a:pt x="1393767" y="0"/>
+                  </a:lnTo>
+                  <a:lnTo>
+                    <a:pt x="1518458" y="124691"/>
+                  </a:lnTo>
+                  <a:lnTo>
+                    <a:pt x="1393767" y="249382"/>
+                  </a:lnTo>
+                  <a:lnTo>
+                    <a:pt x="0" y="249382"/>
+                  </a:lnTo>
+                  <a:lnTo>
+                    <a:pt x="124691" y="124691"/>
+                  </a:lnTo>
+                  <a:close/>
+                </a:path>
+              </a:pathLst>
+            </a:custGeom>
+            <a:solidFill>
+              <a:schemeClr val="accent2"/>
+            </a:solidFill>
+            <a:ln>
+              <a:noFill/>
+            </a:ln>
+          </p:spPr>
+          <p:style>
+            <a:lnRef idx="2">
+              <a:schemeClr val="accent1">
+                <a:shade val="50000"/>
+              </a:schemeClr>
+            </a:lnRef>
+            <a:fillRef idx="1">
+              <a:schemeClr val="accent1"/>
+            </a:fillRef>
+            <a:effectRef idx="0">
+              <a:schemeClr val="accent1"/>
+            </a:effectRef>
+            <a:fontRef idx="minor">
+              <a:schemeClr val="lt1"/>
+            </a:fontRef>
+          </p:style>
+          <p:txBody>
+            <a:bodyPr rtlCol="0" anchor="ctr"/>
+            <a:lstStyle/>
+            <a:p>
+              <a:pPr algn="ctr" rtl="0"/>
+              <a:endParaRPr lang="pt-BR" dirty="0"/>
+            </a:p>
+          </p:txBody>
+        </p:sp>
+        <p:grpSp>
+          <p:nvGrpSpPr>
+            <p:cNvPr id="36" name="Grupo 35">
+              <a:extLst>
+                <a:ext uri="{FF2B5EF4-FFF2-40B4-BE49-F238E27FC236}">
+                  <a16:creationId xmlns:a16="http://schemas.microsoft.com/office/drawing/2014/main" id="{59595E80-B3F5-4BDF-9674-17BA742BFCD8}"/>
+                </a:ext>
+              </a:extLst>
+            </p:cNvPr>
+            <p:cNvGrpSpPr/>
+            <p:nvPr userDrawn="1"/>
+          </p:nvGrpSpPr>
+          <p:grpSpPr>
+            <a:xfrm rot="10800000">
+              <a:off x="3580478" y="3327592"/>
+              <a:ext cx="990600" cy="2845072"/>
+              <a:chOff x="310245" y="679523"/>
+              <a:chExt cx="990600" cy="2845072"/>
+            </a:xfrm>
+          </p:grpSpPr>
+          <p:sp>
+            <p:nvSpPr>
+              <p:cNvPr id="37" name="Fluxograma: Exibição 36">
+                <a:extLst>
+                  <a:ext uri="{FF2B5EF4-FFF2-40B4-BE49-F238E27FC236}">
+                    <a16:creationId xmlns:a16="http://schemas.microsoft.com/office/drawing/2014/main" id="{0EB63076-286D-42D4-B6E3-150127BB011E}"/>
+                  </a:ext>
+                </a:extLst>
+              </p:cNvPr>
+              <p:cNvSpPr/>
+              <p:nvPr userDrawn="1"/>
+            </p:nvSpPr>
+            <p:spPr>
+              <a:xfrm rot="16200000">
+                <a:off x="289078" y="700690"/>
+                <a:ext cx="1032933" cy="990600"/>
+              </a:xfrm>
+              <a:prstGeom prst="flowChartDisplay">
+                <a:avLst/>
+              </a:prstGeom>
+              <a:solidFill>
+                <a:schemeClr val="bg1"/>
+              </a:solidFill>
+              <a:ln w="101600">
+                <a:solidFill>
+                  <a:schemeClr val="accent2"/>
+                </a:solidFill>
+              </a:ln>
+            </p:spPr>
+            <p:style>
+              <a:lnRef idx="2">
+                <a:schemeClr val="accent1">
+                  <a:shade val="50000"/>
+                </a:schemeClr>
+              </a:lnRef>
+              <a:fillRef idx="1">
+                <a:schemeClr val="accent1"/>
+              </a:fillRef>
+              <a:effectRef idx="0">
+                <a:schemeClr val="accent1"/>
+              </a:effectRef>
+              <a:fontRef idx="minor">
+                <a:schemeClr val="lt1"/>
+              </a:fontRef>
+            </p:style>
+            <p:txBody>
+              <a:bodyPr rtlCol="0" anchor="ctr"/>
+              <a:lstStyle/>
+              <a:p>
+                <a:pPr algn="ctr" rtl="0"/>
+                <a:endParaRPr lang="pt-BR" dirty="0"/>
+              </a:p>
+            </p:txBody>
+          </p:sp>
+          <p:sp>
+            <p:nvSpPr>
+              <p:cNvPr id="38" name="Lágrima 37">
+                <a:extLst>
+                  <a:ext uri="{FF2B5EF4-FFF2-40B4-BE49-F238E27FC236}">
+                    <a16:creationId xmlns:a16="http://schemas.microsoft.com/office/drawing/2014/main" id="{08388872-548B-4F74-8ADA-BA79278B29DA}"/>
+                  </a:ext>
+                </a:extLst>
+              </p:cNvPr>
+              <p:cNvSpPr/>
+              <p:nvPr userDrawn="1"/>
+            </p:nvSpPr>
+            <p:spPr>
+              <a:xfrm rot="18899663">
+                <a:off x="680854" y="3275213"/>
+                <a:ext cx="249382" cy="249382"/>
+              </a:xfrm>
+              <a:prstGeom prst="teardrop">
+                <a:avLst/>
+              </a:prstGeom>
+              <a:solidFill>
+                <a:schemeClr val="bg1"/>
+              </a:solidFill>
+              <a:ln w="50800">
+                <a:solidFill>
+                  <a:schemeClr val="accent2"/>
+                </a:solidFill>
+              </a:ln>
+            </p:spPr>
+            <p:style>
+              <a:lnRef idx="2">
+                <a:schemeClr val="accent1">
+                  <a:shade val="50000"/>
+                </a:schemeClr>
+              </a:lnRef>
+              <a:fillRef idx="1">
+                <a:schemeClr val="accent1"/>
+              </a:fillRef>
+              <a:effectRef idx="0">
+                <a:schemeClr val="accent1"/>
+              </a:effectRef>
+              <a:fontRef idx="minor">
+                <a:schemeClr val="lt1"/>
+              </a:fontRef>
+            </p:style>
+            <p:txBody>
+              <a:bodyPr rtlCol="0" anchor="ctr"/>
+              <a:lstStyle/>
+              <a:p>
+                <a:pPr algn="ctr" rtl="0"/>
+                <a:endParaRPr lang="pt-BR" dirty="0"/>
+              </a:p>
+            </p:txBody>
+          </p:sp>
+          <p:cxnSp>
+            <p:nvCxnSpPr>
+              <p:cNvPr id="39" name="Conector Reto 38">
+                <a:extLst>
+                  <a:ext uri="{FF2B5EF4-FFF2-40B4-BE49-F238E27FC236}">
+                    <a16:creationId xmlns:a16="http://schemas.microsoft.com/office/drawing/2014/main" id="{7C367834-D910-4D8A-AE27-D24B90B8FED9}"/>
+                  </a:ext>
+                </a:extLst>
+              </p:cNvPr>
+              <p:cNvCxnSpPr>
+                <a:stCxn id="37" idx="1"/>
+                <a:endCxn id="38" idx="7"/>
+              </p:cNvCxnSpPr>
+              <p:nvPr userDrawn="1"/>
+            </p:nvCxnSpPr>
+            <p:spPr>
+              <a:xfrm flipH="1">
+                <a:off x="805528" y="1712457"/>
+                <a:ext cx="17" cy="1511107"/>
+              </a:xfrm>
+              <a:prstGeom prst="line">
+                <a:avLst/>
+              </a:prstGeom>
+              <a:ln w="50800">
+                <a:solidFill>
+                  <a:schemeClr val="accent2"/>
+                </a:solidFill>
+              </a:ln>
+            </p:spPr>
+            <p:style>
+              <a:lnRef idx="1">
+                <a:schemeClr val="accent1"/>
+              </a:lnRef>
+              <a:fillRef idx="0">
+                <a:schemeClr val="accent1"/>
+              </a:fillRef>
+              <a:effectRef idx="0">
+                <a:schemeClr val="accent1"/>
+              </a:effectRef>
+              <a:fontRef idx="minor">
+                <a:schemeClr val="tx1"/>
+              </a:fontRef>
+            </p:style>
+          </p:cxnSp>
+        </p:grpSp>
+      </p:grpSp>
+      <p:sp>
+        <p:nvSpPr>
+          <p:cNvPr id="52" name="Retângulo: Cantos arredondados 51">
+            <a:extLst>
+              <a:ext uri="{FF2B5EF4-FFF2-40B4-BE49-F238E27FC236}">
+                <a16:creationId xmlns:a16="http://schemas.microsoft.com/office/drawing/2014/main" id="{7CF13D38-5B6A-4696-A3FC-685C7C5C2F98}"/>
+              </a:ext>
+            </a:extLst>
+          </p:cNvPr>
+          <p:cNvSpPr/>
+          <p:nvPr userDrawn="1"/>
+        </p:nvSpPr>
+        <p:spPr>
+          <a:xfrm>
+            <a:off x="3380063" y="4113787"/>
+            <a:ext cx="1737360" cy="1282263"/>
+          </a:xfrm>
+          <a:prstGeom prst="roundRect">
+            <a:avLst>
+              <a:gd name="adj" fmla="val 10074"/>
+            </a:avLst>
+          </a:prstGeom>
+          <a:solidFill>
+            <a:schemeClr val="bg1"/>
+          </a:solidFill>
+          <a:ln w="38100">
+            <a:solidFill>
+              <a:schemeClr val="accent2"/>
+            </a:solidFill>
+          </a:ln>
+        </p:spPr>
+        <p:style>
+          <a:lnRef idx="2">
+            <a:schemeClr val="accent1">
+              <a:shade val="50000"/>
+            </a:schemeClr>
+          </a:lnRef>
+          <a:fillRef idx="1">
+            <a:schemeClr val="accent1"/>
+          </a:fillRef>
+          <a:effectRef idx="0">
+            <a:schemeClr val="accent1"/>
+          </a:effectRef>
+          <a:fontRef idx="minor">
+            <a:schemeClr val="lt1"/>
+          </a:fontRef>
+        </p:style>
+        <p:txBody>
+          <a:bodyPr rtlCol="0" anchor="ctr"/>
+          <a:lstStyle/>
+          <a:p>
+            <a:pPr algn="ctr" rtl="0"/>
+            <a:endParaRPr lang="pt-BR" dirty="0"/>
+          </a:p>
+        </p:txBody>
+      </p:sp>
+      <p:grpSp>
+        <p:nvGrpSpPr>
+          <p:cNvPr id="47" name="Grupo 46">
+            <a:extLst>
+              <a:ext uri="{FF2B5EF4-FFF2-40B4-BE49-F238E27FC236}">
+                <a16:creationId xmlns:a16="http://schemas.microsoft.com/office/drawing/2014/main" id="{27E4BCAD-9B1F-4FCE-B6D6-D4263D7192A8}"/>
+              </a:ext>
+            </a:extLst>
+          </p:cNvPr>
+          <p:cNvGrpSpPr/>
+          <p:nvPr userDrawn="1"/>
+        </p:nvGrpSpPr>
+        <p:grpSpPr>
+          <a:xfrm>
+            <a:off x="4895867" y="1131290"/>
+            <a:ext cx="2480925" cy="2845072"/>
+            <a:chOff x="5595782" y="731902"/>
+            <a:chExt cx="2480925" cy="2845072"/>
+          </a:xfrm>
+        </p:grpSpPr>
+        <p:sp>
+          <p:nvSpPr>
+            <p:cNvPr id="15" name="Forma Livre: Forma 14">
+              <a:extLst>
+                <a:ext uri="{FF2B5EF4-FFF2-40B4-BE49-F238E27FC236}">
+                  <a16:creationId xmlns:a16="http://schemas.microsoft.com/office/drawing/2014/main" id="{4FF40056-7D5D-434C-A112-A71B3AC1C5FB}"/>
+                </a:ext>
+              </a:extLst>
+            </p:cNvPr>
+            <p:cNvSpPr/>
+            <p:nvPr userDrawn="1"/>
+          </p:nvSpPr>
+          <p:spPr>
+            <a:xfrm>
+              <a:off x="6339347" y="3327592"/>
+              <a:ext cx="1737360" cy="249382"/>
+            </a:xfrm>
+            <a:custGeom>
+              <a:avLst/>
+              <a:gdLst>
+                <a:gd name="connsiteX0" fmla="*/ 0 w 1518458"/>
+                <a:gd name="connsiteY0" fmla="*/ 0 h 249382"/>
+                <a:gd name="connsiteX1" fmla="*/ 1393767 w 1518458"/>
+                <a:gd name="connsiteY1" fmla="*/ 0 h 249382"/>
+                <a:gd name="connsiteX2" fmla="*/ 1518458 w 1518458"/>
+                <a:gd name="connsiteY2" fmla="*/ 124691 h 249382"/>
+                <a:gd name="connsiteX3" fmla="*/ 1393767 w 1518458"/>
+                <a:gd name="connsiteY3" fmla="*/ 249382 h 249382"/>
+                <a:gd name="connsiteX4" fmla="*/ 0 w 1518458"/>
+                <a:gd name="connsiteY4" fmla="*/ 249382 h 249382"/>
+                <a:gd name="connsiteX5" fmla="*/ 124691 w 1518458"/>
+                <a:gd name="connsiteY5" fmla="*/ 124691 h 249382"/>
+              </a:gdLst>
+              <a:ahLst/>
+              <a:cxnLst>
+                <a:cxn ang="0">
+                  <a:pos x="connsiteX0" y="connsiteY0"/>
+                </a:cxn>
+                <a:cxn ang="0">
+                  <a:pos x="connsiteX1" y="connsiteY1"/>
+                </a:cxn>
+                <a:cxn ang="0">
+                  <a:pos x="connsiteX2" y="connsiteY2"/>
+                </a:cxn>
+                <a:cxn ang="0">
+                  <a:pos x="connsiteX3" y="connsiteY3"/>
+                </a:cxn>
+                <a:cxn ang="0">
+                  <a:pos x="connsiteX4" y="connsiteY4"/>
+                </a:cxn>
+                <a:cxn ang="0">
+                  <a:pos x="connsiteX5" y="connsiteY5"/>
+                </a:cxn>
+              </a:cxnLst>
+              <a:rect l="l" t="t" r="r" b="b"/>
+              <a:pathLst>
+                <a:path w="1518458" h="249382">
+                  <a:moveTo>
+                    <a:pt x="0" y="0"/>
+                  </a:moveTo>
+                  <a:lnTo>
+                    <a:pt x="1393767" y="0"/>
+                  </a:lnTo>
+                  <a:lnTo>
+                    <a:pt x="1518458" y="124691"/>
+                  </a:lnTo>
+                  <a:lnTo>
+                    <a:pt x="1393767" y="249382"/>
+                  </a:lnTo>
+                  <a:lnTo>
+                    <a:pt x="0" y="249382"/>
+                  </a:lnTo>
+                  <a:lnTo>
+                    <a:pt x="124691" y="124691"/>
+                  </a:lnTo>
+                  <a:close/>
+                </a:path>
+              </a:pathLst>
+            </a:custGeom>
+            <a:solidFill>
+              <a:schemeClr val="accent3"/>
+            </a:solidFill>
+            <a:ln>
+              <a:noFill/>
+            </a:ln>
+          </p:spPr>
+          <p:style>
+            <a:lnRef idx="2">
+              <a:schemeClr val="accent1">
+                <a:shade val="50000"/>
+              </a:schemeClr>
+            </a:lnRef>
+            <a:fillRef idx="1">
+              <a:schemeClr val="accent1"/>
+            </a:fillRef>
+            <a:effectRef idx="0">
+              <a:schemeClr val="accent1"/>
+            </a:effectRef>
+            <a:fontRef idx="minor">
+              <a:schemeClr val="lt1"/>
+            </a:fontRef>
+          </p:style>
+          <p:txBody>
+            <a:bodyPr rtlCol="0" anchor="ctr"/>
+            <a:lstStyle/>
+            <a:p>
+              <a:pPr algn="ctr" rtl="0"/>
+              <a:endParaRPr lang="pt-BR" dirty="0"/>
+            </a:p>
+          </p:txBody>
+        </p:sp>
+        <p:grpSp>
+          <p:nvGrpSpPr>
+            <p:cNvPr id="28" name="Grupo 27">
+              <a:extLst>
+                <a:ext uri="{FF2B5EF4-FFF2-40B4-BE49-F238E27FC236}">
+                  <a16:creationId xmlns:a16="http://schemas.microsoft.com/office/drawing/2014/main" id="{C69BC877-8213-4692-9A4D-FD7B88E7C5A6}"/>
+                </a:ext>
+              </a:extLst>
+            </p:cNvPr>
+            <p:cNvGrpSpPr/>
+            <p:nvPr userDrawn="1"/>
+          </p:nvGrpSpPr>
+          <p:grpSpPr>
+            <a:xfrm>
+              <a:off x="5595782" y="731902"/>
+              <a:ext cx="990600" cy="2845072"/>
+              <a:chOff x="310245" y="679523"/>
+              <a:chExt cx="990600" cy="2845072"/>
+            </a:xfrm>
+          </p:grpSpPr>
+          <p:sp>
+            <p:nvSpPr>
+              <p:cNvPr id="29" name="Fluxograma: Exibição 28">
+                <a:extLst>
+                  <a:ext uri="{FF2B5EF4-FFF2-40B4-BE49-F238E27FC236}">
+                    <a16:creationId xmlns:a16="http://schemas.microsoft.com/office/drawing/2014/main" id="{1AE2468A-ED10-4324-82BB-5A0BA4827E36}"/>
+                  </a:ext>
+                </a:extLst>
+              </p:cNvPr>
+              <p:cNvSpPr/>
+              <p:nvPr userDrawn="1"/>
+            </p:nvSpPr>
+            <p:spPr>
+              <a:xfrm rot="16200000">
+                <a:off x="289078" y="700690"/>
+                <a:ext cx="1032933" cy="990600"/>
+              </a:xfrm>
+              <a:prstGeom prst="flowChartDisplay">
+                <a:avLst/>
+              </a:prstGeom>
+              <a:solidFill>
+                <a:schemeClr val="bg1"/>
+              </a:solidFill>
+              <a:ln w="101600">
+                <a:solidFill>
+                  <a:schemeClr val="accent3"/>
+                </a:solidFill>
+              </a:ln>
+            </p:spPr>
+            <p:style>
+              <a:lnRef idx="2">
+                <a:schemeClr val="accent1">
+                  <a:shade val="50000"/>
+                </a:schemeClr>
+              </a:lnRef>
+              <a:fillRef idx="1">
+                <a:schemeClr val="accent1"/>
+              </a:fillRef>
+              <a:effectRef idx="0">
+                <a:schemeClr val="accent1"/>
+              </a:effectRef>
+              <a:fontRef idx="minor">
+                <a:schemeClr val="lt1"/>
+              </a:fontRef>
+            </p:style>
+            <p:txBody>
+              <a:bodyPr rtlCol="0" anchor="ctr"/>
+              <a:lstStyle/>
+              <a:p>
+                <a:pPr algn="ctr" rtl="0"/>
+                <a:endParaRPr lang="pt-BR" dirty="0"/>
+              </a:p>
+            </p:txBody>
+          </p:sp>
+          <p:sp>
+            <p:nvSpPr>
+              <p:cNvPr id="30" name="Lágrima 29">
+                <a:extLst>
+                  <a:ext uri="{FF2B5EF4-FFF2-40B4-BE49-F238E27FC236}">
+                    <a16:creationId xmlns:a16="http://schemas.microsoft.com/office/drawing/2014/main" id="{E56C60B5-1DC8-4DF5-8C79-7D0234192ECE}"/>
+                  </a:ext>
+                </a:extLst>
+              </p:cNvPr>
+              <p:cNvSpPr/>
+              <p:nvPr userDrawn="1"/>
+            </p:nvSpPr>
+            <p:spPr>
+              <a:xfrm rot="18899663">
+                <a:off x="680854" y="3275213"/>
+                <a:ext cx="249382" cy="249382"/>
+              </a:xfrm>
+              <a:prstGeom prst="teardrop">
+                <a:avLst/>
+              </a:prstGeom>
+              <a:solidFill>
+                <a:schemeClr val="bg1"/>
+              </a:solidFill>
+              <a:ln w="50800">
+                <a:solidFill>
+                  <a:schemeClr val="accent3"/>
+                </a:solidFill>
+              </a:ln>
+            </p:spPr>
+            <p:style>
+              <a:lnRef idx="2">
+                <a:schemeClr val="accent1">
+                  <a:shade val="50000"/>
+                </a:schemeClr>
+              </a:lnRef>
+              <a:fillRef idx="1">
+                <a:schemeClr val="accent1"/>
+              </a:fillRef>
+              <a:effectRef idx="0">
+                <a:schemeClr val="accent1"/>
+              </a:effectRef>
+              <a:fontRef idx="minor">
+                <a:schemeClr val="lt1"/>
+              </a:fontRef>
+            </p:style>
+            <p:txBody>
+              <a:bodyPr rtlCol="0" anchor="ctr"/>
+              <a:lstStyle/>
+              <a:p>
+                <a:pPr algn="ctr" rtl="0"/>
+                <a:endParaRPr lang="pt-BR" dirty="0"/>
+              </a:p>
+            </p:txBody>
+          </p:sp>
+          <p:cxnSp>
+            <p:nvCxnSpPr>
+              <p:cNvPr id="31" name="Conector reto 30">
+                <a:extLst>
+                  <a:ext uri="{FF2B5EF4-FFF2-40B4-BE49-F238E27FC236}">
+                    <a16:creationId xmlns:a16="http://schemas.microsoft.com/office/drawing/2014/main" id="{108426C8-666D-4D49-A5A2-EF7D4925E701}"/>
+                  </a:ext>
+                </a:extLst>
+              </p:cNvPr>
+              <p:cNvCxnSpPr>
+                <a:stCxn id="29" idx="1"/>
+                <a:endCxn id="30" idx="7"/>
+              </p:cNvCxnSpPr>
+              <p:nvPr userDrawn="1"/>
+            </p:nvCxnSpPr>
+            <p:spPr>
+              <a:xfrm flipH="1">
+                <a:off x="805528" y="1712457"/>
+                <a:ext cx="17" cy="1511107"/>
+              </a:xfrm>
+              <a:prstGeom prst="line">
+                <a:avLst/>
+              </a:prstGeom>
+              <a:ln w="50800">
+                <a:solidFill>
+                  <a:schemeClr val="accent3"/>
+                </a:solidFill>
+              </a:ln>
+            </p:spPr>
+            <p:style>
+              <a:lnRef idx="1">
+                <a:schemeClr val="accent1"/>
+              </a:lnRef>
+              <a:fillRef idx="0">
+                <a:schemeClr val="accent1"/>
+              </a:fillRef>
+              <a:effectRef idx="0">
+                <a:schemeClr val="accent1"/>
+              </a:effectRef>
+              <a:fontRef idx="minor">
+                <a:schemeClr val="tx1"/>
+              </a:fontRef>
+            </p:style>
+          </p:cxnSp>
+        </p:grpSp>
+      </p:grpSp>
+      <p:sp>
+        <p:nvSpPr>
+          <p:cNvPr id="53" name="Retângulo: Cantos arredondados 52">
+            <a:extLst>
+              <a:ext uri="{FF2B5EF4-FFF2-40B4-BE49-F238E27FC236}">
+                <a16:creationId xmlns:a16="http://schemas.microsoft.com/office/drawing/2014/main" id="{34AC8F75-168C-4C68-93A4-C49CE0D72DA1}"/>
+              </a:ext>
+            </a:extLst>
+          </p:cNvPr>
+          <p:cNvSpPr/>
+          <p:nvPr userDrawn="1"/>
+        </p:nvSpPr>
+        <p:spPr>
+          <a:xfrm>
+            <a:off x="5639097" y="2301765"/>
+            <a:ext cx="1737360" cy="1282263"/>
+          </a:xfrm>
+          <a:prstGeom prst="roundRect">
+            <a:avLst>
+              <a:gd name="adj" fmla="val 10074"/>
+            </a:avLst>
+          </a:prstGeom>
+          <a:solidFill>
+            <a:schemeClr val="bg1"/>
+          </a:solidFill>
+          <a:ln w="38100">
+            <a:solidFill>
+              <a:schemeClr val="accent3"/>
+            </a:solidFill>
+          </a:ln>
+        </p:spPr>
+        <p:style>
+          <a:lnRef idx="2">
+            <a:schemeClr val="accent1">
+              <a:shade val="50000"/>
+            </a:schemeClr>
+          </a:lnRef>
+          <a:fillRef idx="1">
+            <a:schemeClr val="accent1"/>
+          </a:fillRef>
+          <a:effectRef idx="0">
+            <a:schemeClr val="accent1"/>
+          </a:effectRef>
+          <a:fontRef idx="minor">
+            <a:schemeClr val="lt1"/>
+          </a:fontRef>
+        </p:style>
+        <p:txBody>
+          <a:bodyPr rtlCol="0" anchor="ctr"/>
+          <a:lstStyle/>
+          <a:p>
+            <a:pPr algn="ctr" rtl="0"/>
+            <a:endParaRPr lang="pt-BR" dirty="0"/>
+          </a:p>
+        </p:txBody>
+      </p:sp>
+      <p:grpSp>
+        <p:nvGrpSpPr>
+          <p:cNvPr id="48" name="Grupo 47">
+            <a:extLst>
+              <a:ext uri="{FF2B5EF4-FFF2-40B4-BE49-F238E27FC236}">
+                <a16:creationId xmlns:a16="http://schemas.microsoft.com/office/drawing/2014/main" id="{0A47600A-5704-4A90-840D-E9311F4AB54B}"/>
+              </a:ext>
+            </a:extLst>
+          </p:cNvPr>
+          <p:cNvGrpSpPr/>
+          <p:nvPr userDrawn="1"/>
+        </p:nvGrpSpPr>
+        <p:grpSpPr>
+          <a:xfrm>
+            <a:off x="7155235" y="3724159"/>
+            <a:ext cx="2480925" cy="2845072"/>
+            <a:chOff x="7610770" y="3314261"/>
+            <a:chExt cx="2480925" cy="2845072"/>
+          </a:xfrm>
+        </p:grpSpPr>
+        <p:sp>
+          <p:nvSpPr>
+            <p:cNvPr id="16" name="Forma Livre: Forma 15">
+              <a:extLst>
+                <a:ext uri="{FF2B5EF4-FFF2-40B4-BE49-F238E27FC236}">
+                  <a16:creationId xmlns:a16="http://schemas.microsoft.com/office/drawing/2014/main" id="{E4844AA0-BA69-42F2-A1E9-31E3350B1AF0}"/>
+                </a:ext>
+              </a:extLst>
+            </p:cNvPr>
+            <p:cNvSpPr/>
+            <p:nvPr userDrawn="1"/>
+          </p:nvSpPr>
+          <p:spPr>
+            <a:xfrm>
+              <a:off x="8354335" y="3319709"/>
+              <a:ext cx="1737360" cy="249382"/>
+            </a:xfrm>
+            <a:custGeom>
+              <a:avLst/>
+              <a:gdLst>
+                <a:gd name="connsiteX0" fmla="*/ 0 w 1518458"/>
+                <a:gd name="connsiteY0" fmla="*/ 0 h 249382"/>
+                <a:gd name="connsiteX1" fmla="*/ 1393767 w 1518458"/>
+                <a:gd name="connsiteY1" fmla="*/ 0 h 249382"/>
+                <a:gd name="connsiteX2" fmla="*/ 1518458 w 1518458"/>
+                <a:gd name="connsiteY2" fmla="*/ 124691 h 249382"/>
+                <a:gd name="connsiteX3" fmla="*/ 1393767 w 1518458"/>
+                <a:gd name="connsiteY3" fmla="*/ 249382 h 249382"/>
+                <a:gd name="connsiteX4" fmla="*/ 0 w 1518458"/>
+                <a:gd name="connsiteY4" fmla="*/ 249382 h 249382"/>
+                <a:gd name="connsiteX5" fmla="*/ 124691 w 1518458"/>
+                <a:gd name="connsiteY5" fmla="*/ 124691 h 249382"/>
+              </a:gdLst>
+              <a:ahLst/>
+              <a:cxnLst>
+                <a:cxn ang="0">
+                  <a:pos x="connsiteX0" y="connsiteY0"/>
+                </a:cxn>
+                <a:cxn ang="0">
+                  <a:pos x="connsiteX1" y="connsiteY1"/>
+                </a:cxn>
+                <a:cxn ang="0">
+                  <a:pos x="connsiteX2" y="connsiteY2"/>
+                </a:cxn>
+                <a:cxn ang="0">
+                  <a:pos x="connsiteX3" y="connsiteY3"/>
+                </a:cxn>
+                <a:cxn ang="0">
+                  <a:pos x="connsiteX4" y="connsiteY4"/>
+                </a:cxn>
+                <a:cxn ang="0">
+                  <a:pos x="connsiteX5" y="connsiteY5"/>
+                </a:cxn>
+              </a:cxnLst>
+              <a:rect l="l" t="t" r="r" b="b"/>
+              <a:pathLst>
+                <a:path w="1518458" h="249382">
+                  <a:moveTo>
+                    <a:pt x="0" y="0"/>
+                  </a:moveTo>
+                  <a:lnTo>
+                    <a:pt x="1393767" y="0"/>
+                  </a:lnTo>
+                  <a:lnTo>
+                    <a:pt x="1518458" y="124691"/>
+                  </a:lnTo>
+                  <a:lnTo>
+                    <a:pt x="1393767" y="249382"/>
+                  </a:lnTo>
+                  <a:lnTo>
+                    <a:pt x="0" y="249382"/>
+                  </a:lnTo>
+                  <a:lnTo>
+                    <a:pt x="124691" y="124691"/>
+                  </a:lnTo>
+                  <a:close/>
+                </a:path>
+              </a:pathLst>
+            </a:custGeom>
+            <a:solidFill>
+              <a:schemeClr val="accent4"/>
+            </a:solidFill>
+            <a:ln>
+              <a:noFill/>
+            </a:ln>
+          </p:spPr>
+          <p:style>
+            <a:lnRef idx="2">
+              <a:schemeClr val="accent1">
+                <a:shade val="50000"/>
+              </a:schemeClr>
+            </a:lnRef>
+            <a:fillRef idx="1">
+              <a:schemeClr val="accent1"/>
+            </a:fillRef>
+            <a:effectRef idx="0">
+              <a:schemeClr val="accent1"/>
+            </a:effectRef>
+            <a:fontRef idx="minor">
+              <a:schemeClr val="lt1"/>
+            </a:fontRef>
+          </p:style>
+          <p:txBody>
+            <a:bodyPr rtlCol="0" anchor="ctr"/>
+            <a:lstStyle/>
+            <a:p>
+              <a:pPr algn="ctr" rtl="0"/>
+              <a:endParaRPr lang="pt-BR" dirty="0"/>
+            </a:p>
+          </p:txBody>
+        </p:sp>
+        <p:grpSp>
+          <p:nvGrpSpPr>
+            <p:cNvPr id="40" name="Grupo 39">
+              <a:extLst>
+                <a:ext uri="{FF2B5EF4-FFF2-40B4-BE49-F238E27FC236}">
+                  <a16:creationId xmlns:a16="http://schemas.microsoft.com/office/drawing/2014/main" id="{AB1BA44D-2835-4C9E-910A-11ED332B2023}"/>
+                </a:ext>
+              </a:extLst>
+            </p:cNvPr>
+            <p:cNvGrpSpPr/>
+            <p:nvPr userDrawn="1"/>
+          </p:nvGrpSpPr>
+          <p:grpSpPr>
+            <a:xfrm rot="10800000">
+              <a:off x="7610770" y="3314261"/>
+              <a:ext cx="990600" cy="2845072"/>
+              <a:chOff x="310245" y="679523"/>
+              <a:chExt cx="990600" cy="2845072"/>
+            </a:xfrm>
+          </p:grpSpPr>
+          <p:sp>
+            <p:nvSpPr>
+              <p:cNvPr id="41" name="Fluxograma: Exibição 40">
+                <a:extLst>
+                  <a:ext uri="{FF2B5EF4-FFF2-40B4-BE49-F238E27FC236}">
+                    <a16:creationId xmlns:a16="http://schemas.microsoft.com/office/drawing/2014/main" id="{7968DDF3-A7FB-4CFF-BEDD-FAFD948222BF}"/>
+                  </a:ext>
+                </a:extLst>
+              </p:cNvPr>
+              <p:cNvSpPr/>
+              <p:nvPr userDrawn="1"/>
+            </p:nvSpPr>
+            <p:spPr>
+              <a:xfrm rot="16200000">
+                <a:off x="289078" y="700690"/>
+                <a:ext cx="1032933" cy="990600"/>
+              </a:xfrm>
+              <a:prstGeom prst="flowChartDisplay">
+                <a:avLst/>
+              </a:prstGeom>
+              <a:solidFill>
+                <a:schemeClr val="bg1"/>
+              </a:solidFill>
+              <a:ln w="101600">
+                <a:solidFill>
+                  <a:schemeClr val="accent4"/>
+                </a:solidFill>
+              </a:ln>
+            </p:spPr>
+            <p:style>
+              <a:lnRef idx="2">
+                <a:schemeClr val="accent1">
+                  <a:shade val="50000"/>
+                </a:schemeClr>
+              </a:lnRef>
+              <a:fillRef idx="1">
+                <a:schemeClr val="accent1"/>
+              </a:fillRef>
+              <a:effectRef idx="0">
+                <a:schemeClr val="accent1"/>
+              </a:effectRef>
+              <a:fontRef idx="minor">
+                <a:schemeClr val="lt1"/>
+              </a:fontRef>
+            </p:style>
+            <p:txBody>
+              <a:bodyPr rtlCol="0" anchor="ctr"/>
+              <a:lstStyle/>
+              <a:p>
+                <a:pPr algn="ctr" rtl="0"/>
+                <a:endParaRPr lang="pt-BR" dirty="0"/>
+              </a:p>
+            </p:txBody>
+          </p:sp>
+          <p:sp>
+            <p:nvSpPr>
+              <p:cNvPr id="42" name="Lágrima 41">
+                <a:extLst>
+                  <a:ext uri="{FF2B5EF4-FFF2-40B4-BE49-F238E27FC236}">
+                    <a16:creationId xmlns:a16="http://schemas.microsoft.com/office/drawing/2014/main" id="{8C0014C3-F16F-45C3-A70C-39FE594E42BA}"/>
+                  </a:ext>
+                </a:extLst>
+              </p:cNvPr>
+              <p:cNvSpPr/>
+              <p:nvPr userDrawn="1"/>
+            </p:nvSpPr>
+            <p:spPr>
+              <a:xfrm rot="18899663">
+                <a:off x="680854" y="3275213"/>
+                <a:ext cx="249382" cy="249382"/>
+              </a:xfrm>
+              <a:prstGeom prst="teardrop">
+                <a:avLst/>
+              </a:prstGeom>
+              <a:solidFill>
+                <a:schemeClr val="bg1"/>
+              </a:solidFill>
+              <a:ln w="50800">
+                <a:solidFill>
+                  <a:schemeClr val="accent4"/>
+                </a:solidFill>
+              </a:ln>
+            </p:spPr>
+            <p:style>
+              <a:lnRef idx="2">
+                <a:schemeClr val="accent1">
+                  <a:shade val="50000"/>
+                </a:schemeClr>
+              </a:lnRef>
+              <a:fillRef idx="1">
+                <a:schemeClr val="accent1"/>
+              </a:fillRef>
+              <a:effectRef idx="0">
+                <a:schemeClr val="accent1"/>
+              </a:effectRef>
+              <a:fontRef idx="minor">
+                <a:schemeClr val="lt1"/>
+              </a:fontRef>
+            </p:style>
+            <p:txBody>
+              <a:bodyPr rtlCol="0" anchor="ctr"/>
+              <a:lstStyle/>
+              <a:p>
+                <a:pPr algn="ctr" rtl="0"/>
+                <a:endParaRPr lang="pt-BR" dirty="0"/>
+              </a:p>
+            </p:txBody>
+          </p:sp>
+          <p:cxnSp>
+            <p:nvCxnSpPr>
+              <p:cNvPr id="43" name="Conector reto 42">
+                <a:extLst>
+                  <a:ext uri="{FF2B5EF4-FFF2-40B4-BE49-F238E27FC236}">
+                    <a16:creationId xmlns:a16="http://schemas.microsoft.com/office/drawing/2014/main" id="{CF903941-6F22-4289-9EBA-80BACB317BE3}"/>
+                  </a:ext>
+                </a:extLst>
+              </p:cNvPr>
+              <p:cNvCxnSpPr>
+                <a:stCxn id="41" idx="1"/>
+                <a:endCxn id="42" idx="7"/>
+              </p:cNvCxnSpPr>
+              <p:nvPr userDrawn="1"/>
+            </p:nvCxnSpPr>
+            <p:spPr>
+              <a:xfrm flipH="1">
+                <a:off x="805528" y="1712457"/>
+                <a:ext cx="17" cy="1511107"/>
+              </a:xfrm>
+              <a:prstGeom prst="line">
+                <a:avLst/>
+              </a:prstGeom>
+              <a:ln w="50800">
+                <a:solidFill>
+                  <a:schemeClr val="accent4"/>
+                </a:solidFill>
+              </a:ln>
+            </p:spPr>
+            <p:style>
+              <a:lnRef idx="1">
+                <a:schemeClr val="accent1"/>
+              </a:lnRef>
+              <a:fillRef idx="0">
+                <a:schemeClr val="accent1"/>
+              </a:fillRef>
+              <a:effectRef idx="0">
+                <a:schemeClr val="accent1"/>
+              </a:effectRef>
+              <a:fontRef idx="minor">
+                <a:schemeClr val="tx1"/>
+              </a:fontRef>
+            </p:style>
+          </p:cxnSp>
+        </p:grpSp>
+      </p:grpSp>
+      <p:sp>
+        <p:nvSpPr>
+          <p:cNvPr id="54" name="Retângulo: Cantos arredondados 53">
+            <a:extLst>
+              <a:ext uri="{FF2B5EF4-FFF2-40B4-BE49-F238E27FC236}">
+                <a16:creationId xmlns:a16="http://schemas.microsoft.com/office/drawing/2014/main" id="{E8EA4B40-CEB6-4259-861F-2BB19B0C5D63}"/>
+              </a:ext>
+            </a:extLst>
+          </p:cNvPr>
+          <p:cNvSpPr/>
+          <p:nvPr userDrawn="1"/>
+        </p:nvSpPr>
+        <p:spPr>
+          <a:xfrm>
+            <a:off x="7898800" y="4113786"/>
+            <a:ext cx="1737360" cy="1282263"/>
+          </a:xfrm>
+          <a:prstGeom prst="roundRect">
+            <a:avLst>
+              <a:gd name="adj" fmla="val 10074"/>
+            </a:avLst>
+          </a:prstGeom>
+          <a:solidFill>
+            <a:schemeClr val="bg1"/>
+          </a:solidFill>
+          <a:ln w="38100">
+            <a:solidFill>
+              <a:schemeClr val="accent4"/>
+            </a:solidFill>
+          </a:ln>
+        </p:spPr>
+        <p:style>
+          <a:lnRef idx="2">
+            <a:schemeClr val="accent1">
+              <a:shade val="50000"/>
+            </a:schemeClr>
+          </a:lnRef>
+          <a:fillRef idx="1">
+            <a:schemeClr val="accent1"/>
+          </a:fillRef>
+          <a:effectRef idx="0">
+            <a:schemeClr val="accent1"/>
+          </a:effectRef>
+          <a:fontRef idx="minor">
+            <a:schemeClr val="lt1"/>
+          </a:fontRef>
+        </p:style>
+        <p:txBody>
+          <a:bodyPr rtlCol="0" anchor="ctr"/>
+          <a:lstStyle/>
+          <a:p>
+            <a:pPr algn="ctr" rtl="0"/>
+            <a:endParaRPr lang="pt-BR" dirty="0"/>
+          </a:p>
+        </p:txBody>
+      </p:sp>
+      <p:grpSp>
+        <p:nvGrpSpPr>
+          <p:cNvPr id="49" name="Grupo 48">
+            <a:extLst>
+              <a:ext uri="{FF2B5EF4-FFF2-40B4-BE49-F238E27FC236}">
+                <a16:creationId xmlns:a16="http://schemas.microsoft.com/office/drawing/2014/main" id="{3B0FD183-4A42-4F94-A86E-8EE0AD03C1B1}"/>
+              </a:ext>
+            </a:extLst>
+          </p:cNvPr>
+          <p:cNvGrpSpPr/>
+          <p:nvPr userDrawn="1"/>
+        </p:nvGrpSpPr>
+        <p:grpSpPr>
+          <a:xfrm>
+            <a:off x="9414603" y="1155569"/>
+            <a:ext cx="2480327" cy="2845072"/>
+            <a:chOff x="9626356" y="731902"/>
+            <a:chExt cx="2480327" cy="2845072"/>
+          </a:xfrm>
+        </p:grpSpPr>
+        <p:sp>
+          <p:nvSpPr>
+            <p:cNvPr id="17" name="Forma Livre: Forma 16">
+              <a:extLst>
+                <a:ext uri="{FF2B5EF4-FFF2-40B4-BE49-F238E27FC236}">
+                  <a16:creationId xmlns:a16="http://schemas.microsoft.com/office/drawing/2014/main" id="{9E08103C-D37D-4AAA-80F7-3877C6552414}"/>
+                </a:ext>
+              </a:extLst>
+            </p:cNvPr>
+            <p:cNvSpPr/>
+            <p:nvPr userDrawn="1"/>
+          </p:nvSpPr>
+          <p:spPr>
+            <a:xfrm>
+              <a:off x="10369323" y="3314261"/>
+              <a:ext cx="1737360" cy="249382"/>
+            </a:xfrm>
+            <a:custGeom>
+              <a:avLst/>
+              <a:gdLst>
+                <a:gd name="connsiteX0" fmla="*/ 0 w 1518458"/>
+                <a:gd name="connsiteY0" fmla="*/ 0 h 249382"/>
+                <a:gd name="connsiteX1" fmla="*/ 1393767 w 1518458"/>
+                <a:gd name="connsiteY1" fmla="*/ 0 h 249382"/>
+                <a:gd name="connsiteX2" fmla="*/ 1518458 w 1518458"/>
+                <a:gd name="connsiteY2" fmla="*/ 124691 h 249382"/>
+                <a:gd name="connsiteX3" fmla="*/ 1393767 w 1518458"/>
+                <a:gd name="connsiteY3" fmla="*/ 249382 h 249382"/>
+                <a:gd name="connsiteX4" fmla="*/ 0 w 1518458"/>
+                <a:gd name="connsiteY4" fmla="*/ 249382 h 249382"/>
+                <a:gd name="connsiteX5" fmla="*/ 124691 w 1518458"/>
+                <a:gd name="connsiteY5" fmla="*/ 124691 h 249382"/>
+              </a:gdLst>
+              <a:ahLst/>
+              <a:cxnLst>
+                <a:cxn ang="0">
+                  <a:pos x="connsiteX0" y="connsiteY0"/>
+                </a:cxn>
+                <a:cxn ang="0">
+                  <a:pos x="connsiteX1" y="connsiteY1"/>
+                </a:cxn>
+                <a:cxn ang="0">
+                  <a:pos x="connsiteX2" y="connsiteY2"/>
+                </a:cxn>
+                <a:cxn ang="0">
+                  <a:pos x="connsiteX3" y="connsiteY3"/>
+                </a:cxn>
+                <a:cxn ang="0">
+                  <a:pos x="connsiteX4" y="connsiteY4"/>
+                </a:cxn>
+                <a:cxn ang="0">
+                  <a:pos x="connsiteX5" y="connsiteY5"/>
+                </a:cxn>
+              </a:cxnLst>
+              <a:rect l="l" t="t" r="r" b="b"/>
+              <a:pathLst>
+                <a:path w="1518458" h="249382">
+                  <a:moveTo>
+                    <a:pt x="0" y="0"/>
+                  </a:moveTo>
+                  <a:lnTo>
+                    <a:pt x="1393767" y="0"/>
+                  </a:lnTo>
+                  <a:lnTo>
+                    <a:pt x="1518458" y="124691"/>
+                  </a:lnTo>
+                  <a:lnTo>
+                    <a:pt x="1393767" y="249382"/>
+                  </a:lnTo>
+                  <a:lnTo>
+                    <a:pt x="0" y="249382"/>
+                  </a:lnTo>
+                  <a:lnTo>
+                    <a:pt x="124691" y="124691"/>
+                  </a:lnTo>
+                  <a:close/>
+                </a:path>
+              </a:pathLst>
+            </a:custGeom>
+            <a:solidFill>
+              <a:schemeClr val="accent5"/>
+            </a:solidFill>
+            <a:ln>
+              <a:noFill/>
+            </a:ln>
+          </p:spPr>
+          <p:style>
+            <a:lnRef idx="2">
+              <a:schemeClr val="accent1">
+                <a:shade val="50000"/>
+              </a:schemeClr>
+            </a:lnRef>
+            <a:fillRef idx="1">
+              <a:schemeClr val="accent1"/>
+            </a:fillRef>
+            <a:effectRef idx="0">
+              <a:schemeClr val="accent1"/>
+            </a:effectRef>
+            <a:fontRef idx="minor">
+              <a:schemeClr val="lt1"/>
+            </a:fontRef>
+          </p:style>
+          <p:txBody>
+            <a:bodyPr rtlCol="0" anchor="ctr"/>
+            <a:lstStyle/>
+            <a:p>
+              <a:pPr algn="ctr" rtl="0"/>
+              <a:endParaRPr lang="pt-BR" dirty="0"/>
+            </a:p>
+          </p:txBody>
+        </p:sp>
+        <p:grpSp>
+          <p:nvGrpSpPr>
+            <p:cNvPr id="32" name="Grupo 31">
+              <a:extLst>
+                <a:ext uri="{FF2B5EF4-FFF2-40B4-BE49-F238E27FC236}">
+                  <a16:creationId xmlns:a16="http://schemas.microsoft.com/office/drawing/2014/main" id="{BF7E66A5-9DFC-46F8-9BA6-4E9C6FFCD9E6}"/>
+                </a:ext>
+              </a:extLst>
+            </p:cNvPr>
+            <p:cNvGrpSpPr/>
+            <p:nvPr userDrawn="1"/>
+          </p:nvGrpSpPr>
+          <p:grpSpPr>
+            <a:xfrm>
+              <a:off x="9626356" y="731902"/>
+              <a:ext cx="990600" cy="2845072"/>
+              <a:chOff x="310245" y="679523"/>
+              <a:chExt cx="990600" cy="2845072"/>
+            </a:xfrm>
+          </p:grpSpPr>
+          <p:sp>
+            <p:nvSpPr>
+              <p:cNvPr id="33" name="Fluxograma: Exibição 32">
+                <a:extLst>
+                  <a:ext uri="{FF2B5EF4-FFF2-40B4-BE49-F238E27FC236}">
+                    <a16:creationId xmlns:a16="http://schemas.microsoft.com/office/drawing/2014/main" id="{F8DEB042-6E53-476C-AD3B-7519E164C260}"/>
+                  </a:ext>
+                </a:extLst>
+              </p:cNvPr>
+              <p:cNvSpPr/>
+              <p:nvPr userDrawn="1"/>
+            </p:nvSpPr>
+            <p:spPr>
+              <a:xfrm rot="16200000">
+                <a:off x="289078" y="700690"/>
+                <a:ext cx="1032933" cy="990600"/>
+              </a:xfrm>
+              <a:prstGeom prst="flowChartDisplay">
+                <a:avLst/>
+              </a:prstGeom>
+              <a:solidFill>
+                <a:schemeClr val="bg1"/>
+              </a:solidFill>
+              <a:ln w="101600">
+                <a:solidFill>
+                  <a:schemeClr val="accent5"/>
+                </a:solidFill>
+              </a:ln>
+            </p:spPr>
+            <p:style>
+              <a:lnRef idx="2">
+                <a:schemeClr val="accent1">
+                  <a:shade val="50000"/>
+                </a:schemeClr>
+              </a:lnRef>
+              <a:fillRef idx="1">
+                <a:schemeClr val="accent1"/>
+              </a:fillRef>
+              <a:effectRef idx="0">
+                <a:schemeClr val="accent1"/>
+              </a:effectRef>
+              <a:fontRef idx="minor">
+                <a:schemeClr val="lt1"/>
+              </a:fontRef>
+            </p:style>
+            <p:txBody>
+              <a:bodyPr rtlCol="0" anchor="ctr"/>
+              <a:lstStyle/>
+              <a:p>
+                <a:pPr algn="ctr" rtl="0"/>
+                <a:endParaRPr lang="pt-BR" dirty="0"/>
+              </a:p>
+            </p:txBody>
+          </p:sp>
+          <p:sp>
+            <p:nvSpPr>
+              <p:cNvPr id="34" name="Lágrima 33">
+                <a:extLst>
+                  <a:ext uri="{FF2B5EF4-FFF2-40B4-BE49-F238E27FC236}">
+                    <a16:creationId xmlns:a16="http://schemas.microsoft.com/office/drawing/2014/main" id="{C26BCFD1-554C-453E-BC94-2AD7F124C78B}"/>
+                  </a:ext>
+                </a:extLst>
+              </p:cNvPr>
+              <p:cNvSpPr/>
+              <p:nvPr userDrawn="1"/>
+            </p:nvSpPr>
+            <p:spPr>
+              <a:xfrm rot="18899663">
+                <a:off x="680854" y="3275213"/>
+                <a:ext cx="249382" cy="249382"/>
+              </a:xfrm>
+              <a:prstGeom prst="teardrop">
+                <a:avLst/>
+              </a:prstGeom>
+              <a:solidFill>
+                <a:schemeClr val="bg1"/>
+              </a:solidFill>
+              <a:ln w="50800">
+                <a:solidFill>
+                  <a:schemeClr val="accent5"/>
+                </a:solidFill>
+              </a:ln>
+            </p:spPr>
+            <p:style>
+              <a:lnRef idx="2">
+                <a:schemeClr val="accent1">
+                  <a:shade val="50000"/>
+                </a:schemeClr>
+              </a:lnRef>
+              <a:fillRef idx="1">
+                <a:schemeClr val="accent1"/>
+              </a:fillRef>
+              <a:effectRef idx="0">
+                <a:schemeClr val="accent1"/>
+              </a:effectRef>
+              <a:fontRef idx="minor">
+                <a:schemeClr val="lt1"/>
+              </a:fontRef>
+            </p:style>
+            <p:txBody>
+              <a:bodyPr rtlCol="0" anchor="ctr"/>
+              <a:lstStyle/>
+              <a:p>
+                <a:pPr algn="ctr" rtl="0"/>
+                <a:endParaRPr lang="pt-BR" dirty="0"/>
+              </a:p>
+            </p:txBody>
+          </p:sp>
+          <p:cxnSp>
+            <p:nvCxnSpPr>
+              <p:cNvPr id="35" name="Conector Reto 34">
+                <a:extLst>
+                  <a:ext uri="{FF2B5EF4-FFF2-40B4-BE49-F238E27FC236}">
+                    <a16:creationId xmlns:a16="http://schemas.microsoft.com/office/drawing/2014/main" id="{CE163B23-5612-4951-92C2-FB0F3EA60BA3}"/>
+                  </a:ext>
+                </a:extLst>
+              </p:cNvPr>
+              <p:cNvCxnSpPr>
+                <a:stCxn id="33" idx="1"/>
+                <a:endCxn id="34" idx="7"/>
+              </p:cNvCxnSpPr>
+              <p:nvPr userDrawn="1"/>
+            </p:nvCxnSpPr>
+            <p:spPr>
+              <a:xfrm flipH="1">
+                <a:off x="805528" y="1712457"/>
+                <a:ext cx="17" cy="1511107"/>
+              </a:xfrm>
+              <a:prstGeom prst="line">
+                <a:avLst/>
+              </a:prstGeom>
+              <a:ln w="50800">
+                <a:solidFill>
+                  <a:schemeClr val="accent5"/>
+                </a:solidFill>
+              </a:ln>
+            </p:spPr>
+            <p:style>
+              <a:lnRef idx="1">
+                <a:schemeClr val="accent1"/>
+              </a:lnRef>
+              <a:fillRef idx="0">
+                <a:schemeClr val="accent1"/>
+              </a:fillRef>
+              <a:effectRef idx="0">
+                <a:schemeClr val="accent1"/>
+              </a:effectRef>
+              <a:fontRef idx="minor">
+                <a:schemeClr val="tx1"/>
+              </a:fontRef>
+            </p:style>
+          </p:cxnSp>
+        </p:grpSp>
+      </p:grpSp>
+      <p:sp>
+        <p:nvSpPr>
+          <p:cNvPr id="55" name="Retângulo: Cantos arredondados 54">
+            <a:extLst>
+              <a:ext uri="{FF2B5EF4-FFF2-40B4-BE49-F238E27FC236}">
+                <a16:creationId xmlns:a16="http://schemas.microsoft.com/office/drawing/2014/main" id="{BE6CCC78-344D-47D6-9D62-298F4C27B177}"/>
+              </a:ext>
+            </a:extLst>
+          </p:cNvPr>
+          <p:cNvSpPr/>
+          <p:nvPr userDrawn="1"/>
+        </p:nvSpPr>
+        <p:spPr>
+          <a:xfrm>
+            <a:off x="10126864" y="2301764"/>
+            <a:ext cx="1737360" cy="1282263"/>
+          </a:xfrm>
+          <a:prstGeom prst="roundRect">
+            <a:avLst>
+              <a:gd name="adj" fmla="val 10074"/>
+            </a:avLst>
+          </a:prstGeom>
+          <a:solidFill>
+            <a:schemeClr val="bg1"/>
+          </a:solidFill>
+          <a:ln w="38100">
+            <a:solidFill>
+              <a:schemeClr val="accent5"/>
+            </a:solidFill>
+          </a:ln>
+        </p:spPr>
+        <p:style>
+          <a:lnRef idx="2">
+            <a:schemeClr val="accent1">
+              <a:shade val="50000"/>
+            </a:schemeClr>
+          </a:lnRef>
+          <a:fillRef idx="1">
+            <a:schemeClr val="accent1"/>
+          </a:fillRef>
+          <a:effectRef idx="0">
+            <a:schemeClr val="accent1"/>
+          </a:effectRef>
+          <a:fontRef idx="minor">
+            <a:schemeClr val="lt1"/>
+          </a:fontRef>
+        </p:style>
+        <p:txBody>
+          <a:bodyPr rtlCol="0" anchor="ctr"/>
+          <a:lstStyle/>
+          <a:p>
+            <a:pPr algn="ctr" rtl="0"/>
+            <a:endParaRPr lang="pt-BR" dirty="0"/>
+          </a:p>
+        </p:txBody>
+      </p:sp>
+      <p:sp>
+        <p:nvSpPr>
+          <p:cNvPr id="69" name="Espaço Reservado para Texto 68">
+            <a:extLst>
+              <a:ext uri="{FF2B5EF4-FFF2-40B4-BE49-F238E27FC236}">
+                <a16:creationId xmlns:a16="http://schemas.microsoft.com/office/drawing/2014/main" id="{8B67CD72-3E2F-4B3D-8FEE-7EA9FC7E6F0C}"/>
+              </a:ext>
+            </a:extLst>
+          </p:cNvPr>
+          <p:cNvSpPr>
+            <a:spLocks noGrp="1"/>
+          </p:cNvSpPr>
+          <p:nvPr userDrawn="1">
+            <p:ph type="body" sz="quarter" idx="10" hasCustomPrompt="1"/>
+          </p:nvPr>
+        </p:nvSpPr>
+        <p:spPr>
+          <a:xfrm>
+            <a:off x="1120775" y="3987800"/>
+            <a:ext cx="1585913" cy="468586"/>
+          </a:xfrm>
+          <a:prstGeom prst="rect">
+            <a:avLst/>
+          </a:prstGeom>
+        </p:spPr>
+        <p:txBody>
+          <a:bodyPr rtlCol="0"/>
+          <a:lstStyle>
+            <a:lvl1pPr marL="0" indent="0" algn="ctr">
+              <a:buNone/>
+              <a:defRPr b="1">
+                <a:solidFill>
+                  <a:schemeClr val="accent1"/>
+                </a:solidFill>
+              </a:defRPr>
+            </a:lvl1pPr>
+          </a:lstStyle>
+          <a:p>
+            <a:pPr lvl="0" rtl="0"/>
+            <a:r>
+              <a:rPr lang="pt-BR"/>
+              <a:t>20XX</a:t>
+            </a:r>
+            <a:endParaRPr lang="pt-BR" dirty="0"/>
+          </a:p>
+        </p:txBody>
+      </p:sp>
+      <p:sp>
+        <p:nvSpPr>
+          <p:cNvPr id="70" name="Espaço Reservado para Texto 68">
+            <a:extLst>
+              <a:ext uri="{FF2B5EF4-FFF2-40B4-BE49-F238E27FC236}">
+                <a16:creationId xmlns:a16="http://schemas.microsoft.com/office/drawing/2014/main" id="{F38E8D57-85C5-48AB-9DB1-A8FDE958D98F}"/>
+              </a:ext>
+            </a:extLst>
+          </p:cNvPr>
+          <p:cNvSpPr>
+            <a:spLocks noGrp="1"/>
+          </p:cNvSpPr>
+          <p:nvPr userDrawn="1">
+            <p:ph type="body" sz="quarter" idx="11" hasCustomPrompt="1"/>
+          </p:nvPr>
+        </p:nvSpPr>
+        <p:spPr>
+          <a:xfrm>
+            <a:off x="3371465" y="3226676"/>
+            <a:ext cx="1585913" cy="445834"/>
+          </a:xfrm>
+          <a:prstGeom prst="rect">
+            <a:avLst/>
+          </a:prstGeom>
+        </p:spPr>
+        <p:txBody>
+          <a:bodyPr rtlCol="0"/>
+          <a:lstStyle>
+            <a:lvl1pPr marL="0" indent="0" algn="ctr">
+              <a:buNone/>
+              <a:defRPr b="1">
+                <a:solidFill>
+                  <a:schemeClr val="accent2"/>
+                </a:solidFill>
+              </a:defRPr>
+            </a:lvl1pPr>
+          </a:lstStyle>
+          <a:p>
+            <a:pPr lvl="0" rtl="0"/>
+            <a:r>
+              <a:rPr lang="pt-BR"/>
+              <a:t>20XX</a:t>
+            </a:r>
+            <a:endParaRPr lang="pt-BR" dirty="0"/>
+          </a:p>
+        </p:txBody>
+      </p:sp>
+      <p:sp>
+        <p:nvSpPr>
+          <p:cNvPr id="71" name="Espaço Reservado para Texto 68">
+            <a:extLst>
+              <a:ext uri="{FF2B5EF4-FFF2-40B4-BE49-F238E27FC236}">
+                <a16:creationId xmlns:a16="http://schemas.microsoft.com/office/drawing/2014/main" id="{4198F121-2094-4414-B727-1ABF6D156D9A}"/>
+              </a:ext>
+            </a:extLst>
+          </p:cNvPr>
+          <p:cNvSpPr>
+            <a:spLocks noGrp="1"/>
+          </p:cNvSpPr>
+          <p:nvPr userDrawn="1">
+            <p:ph type="body" sz="quarter" idx="12" hasCustomPrompt="1"/>
+          </p:nvPr>
+        </p:nvSpPr>
+        <p:spPr>
+          <a:xfrm>
+            <a:off x="5662270" y="4052290"/>
+            <a:ext cx="1585913" cy="445834"/>
+          </a:xfrm>
+          <a:prstGeom prst="rect">
+            <a:avLst/>
+          </a:prstGeom>
+        </p:spPr>
+        <p:txBody>
+          <a:bodyPr rtlCol="0"/>
+          <a:lstStyle>
+            <a:lvl1pPr marL="0" indent="0" algn="ctr">
+              <a:buNone/>
+              <a:defRPr b="1">
+                <a:solidFill>
+                  <a:schemeClr val="accent3"/>
+                </a:solidFill>
+              </a:defRPr>
+            </a:lvl1pPr>
+          </a:lstStyle>
+          <a:p>
+            <a:pPr lvl="0" rtl="0"/>
+            <a:r>
+              <a:rPr lang="pt-BR"/>
+              <a:t>20XX</a:t>
+            </a:r>
+            <a:endParaRPr lang="pt-BR" dirty="0"/>
+          </a:p>
+        </p:txBody>
+      </p:sp>
+      <p:sp>
+        <p:nvSpPr>
+          <p:cNvPr id="72" name="Espaço Reservado para Texto 68">
+            <a:extLst>
+              <a:ext uri="{FF2B5EF4-FFF2-40B4-BE49-F238E27FC236}">
+                <a16:creationId xmlns:a16="http://schemas.microsoft.com/office/drawing/2014/main" id="{E3FC3CFE-62A4-403C-9E5E-92826237892B}"/>
+              </a:ext>
+            </a:extLst>
+          </p:cNvPr>
+          <p:cNvSpPr>
+            <a:spLocks noGrp="1"/>
+          </p:cNvSpPr>
+          <p:nvPr userDrawn="1">
+            <p:ph type="body" sz="quarter" idx="13" hasCustomPrompt="1"/>
+          </p:nvPr>
+        </p:nvSpPr>
+        <p:spPr>
+          <a:xfrm>
+            <a:off x="7897804" y="3213649"/>
+            <a:ext cx="1585913" cy="445834"/>
+          </a:xfrm>
+          <a:prstGeom prst="rect">
+            <a:avLst/>
+          </a:prstGeom>
+        </p:spPr>
+        <p:txBody>
+          <a:bodyPr rtlCol="0"/>
+          <a:lstStyle>
+            <a:lvl1pPr marL="0" indent="0" algn="ctr">
+              <a:buNone/>
+              <a:defRPr b="1">
+                <a:solidFill>
+                  <a:schemeClr val="accent4"/>
+                </a:solidFill>
+              </a:defRPr>
+            </a:lvl1pPr>
+          </a:lstStyle>
+          <a:p>
+            <a:pPr lvl="0" rtl="0"/>
+            <a:r>
+              <a:rPr lang="pt-BR"/>
+              <a:t>20XX</a:t>
+            </a:r>
+            <a:endParaRPr lang="pt-BR" dirty="0"/>
+          </a:p>
+        </p:txBody>
+      </p:sp>
+      <p:sp>
+        <p:nvSpPr>
+          <p:cNvPr id="73" name="Espaço Reservado para Texto 68">
+            <a:extLst>
+              <a:ext uri="{FF2B5EF4-FFF2-40B4-BE49-F238E27FC236}">
+                <a16:creationId xmlns:a16="http://schemas.microsoft.com/office/drawing/2014/main" id="{65C03126-CE58-4E57-A3FC-BB298EE10793}"/>
+              </a:ext>
+            </a:extLst>
+          </p:cNvPr>
+          <p:cNvSpPr>
+            <a:spLocks noGrp="1"/>
+          </p:cNvSpPr>
+          <p:nvPr userDrawn="1">
+            <p:ph type="body" sz="quarter" idx="14" hasCustomPrompt="1"/>
+          </p:nvPr>
+        </p:nvSpPr>
+        <p:spPr>
+          <a:xfrm>
+            <a:off x="10183646" y="4025190"/>
+            <a:ext cx="1556251" cy="445834"/>
+          </a:xfrm>
+          <a:prstGeom prst="rect">
+            <a:avLst/>
+          </a:prstGeom>
+        </p:spPr>
+        <p:txBody>
+          <a:bodyPr rtlCol="0"/>
+          <a:lstStyle>
+            <a:lvl1pPr marL="0" indent="0" algn="ctr">
+              <a:buNone/>
+              <a:defRPr b="1">
+                <a:solidFill>
+                  <a:schemeClr val="accent5"/>
+                </a:solidFill>
+              </a:defRPr>
+            </a:lvl1pPr>
+          </a:lstStyle>
+          <a:p>
+            <a:pPr lvl="0" rtl="0"/>
+            <a:r>
+              <a:rPr lang="pt-BR"/>
+              <a:t>20XX</a:t>
+            </a:r>
+            <a:endParaRPr lang="pt-BR" dirty="0"/>
+          </a:p>
+        </p:txBody>
+      </p:sp>
+      <p:sp>
+        <p:nvSpPr>
+          <p:cNvPr id="75" name="Espaço Reservado para Texto 74">
+            <a:extLst>
+              <a:ext uri="{FF2B5EF4-FFF2-40B4-BE49-F238E27FC236}">
+                <a16:creationId xmlns:a16="http://schemas.microsoft.com/office/drawing/2014/main" id="{A051197C-E077-4731-B77B-6E25FE6DB898}"/>
+              </a:ext>
+            </a:extLst>
+          </p:cNvPr>
+          <p:cNvSpPr>
+            <a:spLocks noGrp="1"/>
+          </p:cNvSpPr>
+          <p:nvPr userDrawn="1">
+            <p:ph type="body" sz="quarter" idx="15"/>
+          </p:nvPr>
+        </p:nvSpPr>
+        <p:spPr>
+          <a:xfrm>
+            <a:off x="1120775" y="2427889"/>
+            <a:ext cx="1728788" cy="1156685"/>
+          </a:xfrm>
+          <a:prstGeom prst="rect">
+            <a:avLst/>
+          </a:prstGeom>
+        </p:spPr>
+        <p:txBody>
+          <a:bodyPr rtlCol="0">
+            <a:normAutofit/>
+          </a:bodyPr>
+          <a:lstStyle>
+            <a:lvl1pPr marL="0" indent="0">
+              <a:buNone/>
+              <a:defRPr sz="1200"/>
+            </a:lvl1pPr>
+          </a:lstStyle>
+          <a:p>
+            <a:pPr lvl="0" rtl="0"/>
+            <a:r>
+              <a:rPr lang="pt-BR"/>
+              <a:t>Editar estilos de texto Mestre</a:t>
+            </a:r>
+          </a:p>
+        </p:txBody>
+      </p:sp>
+      <p:sp>
+        <p:nvSpPr>
+          <p:cNvPr id="76" name="Espaço Reservado para Texto 74">
+            <a:extLst>
+              <a:ext uri="{FF2B5EF4-FFF2-40B4-BE49-F238E27FC236}">
+                <a16:creationId xmlns:a16="http://schemas.microsoft.com/office/drawing/2014/main" id="{94E15A42-1C1B-41C1-98D7-5F862CABEA80}"/>
+              </a:ext>
+            </a:extLst>
+          </p:cNvPr>
+          <p:cNvSpPr>
+            <a:spLocks noGrp="1"/>
+          </p:cNvSpPr>
+          <p:nvPr userDrawn="1">
+            <p:ph type="body" sz="quarter" idx="16"/>
+          </p:nvPr>
+        </p:nvSpPr>
+        <p:spPr>
+          <a:xfrm>
+            <a:off x="3371465" y="4225158"/>
+            <a:ext cx="1728788" cy="1151153"/>
+          </a:xfrm>
+          <a:prstGeom prst="rect">
+            <a:avLst/>
+          </a:prstGeom>
+        </p:spPr>
+        <p:txBody>
+          <a:bodyPr rtlCol="0">
+            <a:normAutofit/>
+          </a:bodyPr>
+          <a:lstStyle>
+            <a:lvl1pPr marL="0" indent="0">
+              <a:buNone/>
+              <a:defRPr sz="1200"/>
+            </a:lvl1pPr>
+          </a:lstStyle>
+          <a:p>
+            <a:pPr lvl="0" rtl="0"/>
+            <a:r>
+              <a:rPr lang="pt-BR"/>
+              <a:t>Editar estilos de texto Mestre</a:t>
+            </a:r>
+          </a:p>
+        </p:txBody>
+      </p:sp>
+      <p:sp>
+        <p:nvSpPr>
+          <p:cNvPr id="77" name="Espaço Reservado para Texto 74">
+            <a:extLst>
+              <a:ext uri="{FF2B5EF4-FFF2-40B4-BE49-F238E27FC236}">
+                <a16:creationId xmlns:a16="http://schemas.microsoft.com/office/drawing/2014/main" id="{4E361932-4C94-4975-A440-9F74D0847907}"/>
+              </a:ext>
+            </a:extLst>
+          </p:cNvPr>
+          <p:cNvSpPr>
+            <a:spLocks noGrp="1"/>
+          </p:cNvSpPr>
+          <p:nvPr userDrawn="1">
+            <p:ph type="body" sz="quarter" idx="17"/>
+          </p:nvPr>
+        </p:nvSpPr>
+        <p:spPr>
+          <a:xfrm>
+            <a:off x="5643383" y="2427889"/>
+            <a:ext cx="1728788" cy="1156138"/>
+          </a:xfrm>
+          <a:prstGeom prst="rect">
+            <a:avLst/>
+          </a:prstGeom>
+        </p:spPr>
+        <p:txBody>
+          <a:bodyPr rtlCol="0">
+            <a:normAutofit/>
+          </a:bodyPr>
+          <a:lstStyle>
+            <a:lvl1pPr marL="0" indent="0">
+              <a:buNone/>
+              <a:defRPr sz="1200"/>
+            </a:lvl1pPr>
+          </a:lstStyle>
+          <a:p>
+            <a:pPr lvl="0" rtl="0"/>
+            <a:r>
+              <a:rPr lang="pt-BR"/>
+              <a:t>Editar estilos de texto Mestre</a:t>
+            </a:r>
+          </a:p>
+        </p:txBody>
+      </p:sp>
+      <p:sp>
+        <p:nvSpPr>
+          <p:cNvPr id="78" name="Espaço Reservado para Texto 74">
+            <a:extLst>
+              <a:ext uri="{FF2B5EF4-FFF2-40B4-BE49-F238E27FC236}">
+                <a16:creationId xmlns:a16="http://schemas.microsoft.com/office/drawing/2014/main" id="{D3C6EF22-CA89-422B-8C85-459BCA9532FA}"/>
+              </a:ext>
+            </a:extLst>
+          </p:cNvPr>
+          <p:cNvSpPr>
+            <a:spLocks noGrp="1"/>
+          </p:cNvSpPr>
+          <p:nvPr userDrawn="1">
+            <p:ph type="body" sz="quarter" idx="18"/>
+          </p:nvPr>
+        </p:nvSpPr>
+        <p:spPr>
+          <a:xfrm>
+            <a:off x="7889407" y="4225157"/>
+            <a:ext cx="1728788" cy="1171327"/>
+          </a:xfrm>
+          <a:prstGeom prst="rect">
+            <a:avLst/>
+          </a:prstGeom>
+        </p:spPr>
+        <p:txBody>
+          <a:bodyPr rtlCol="0">
+            <a:normAutofit/>
+          </a:bodyPr>
+          <a:lstStyle>
+            <a:lvl1pPr marL="0" indent="0">
+              <a:buNone/>
+              <a:defRPr sz="1200"/>
+            </a:lvl1pPr>
+          </a:lstStyle>
+          <a:p>
+            <a:pPr lvl="0" rtl="0"/>
+            <a:r>
+              <a:rPr lang="pt-BR"/>
+              <a:t>Editar estilos de texto Mestre</a:t>
+            </a:r>
+          </a:p>
+        </p:txBody>
+      </p:sp>
+      <p:sp>
+        <p:nvSpPr>
+          <p:cNvPr id="79" name="Espaço Reservado para Texto 74">
+            <a:extLst>
+              <a:ext uri="{FF2B5EF4-FFF2-40B4-BE49-F238E27FC236}">
+                <a16:creationId xmlns:a16="http://schemas.microsoft.com/office/drawing/2014/main" id="{13BE834B-38E1-42BC-8467-6B0BE1838179}"/>
+              </a:ext>
+            </a:extLst>
+          </p:cNvPr>
+          <p:cNvSpPr>
+            <a:spLocks noGrp="1"/>
+          </p:cNvSpPr>
+          <p:nvPr userDrawn="1">
+            <p:ph type="body" sz="quarter" idx="19"/>
+          </p:nvPr>
+        </p:nvSpPr>
+        <p:spPr>
+          <a:xfrm>
+            <a:off x="10126864" y="2427889"/>
+            <a:ext cx="1728788" cy="1156138"/>
+          </a:xfrm>
+          <a:prstGeom prst="rect">
+            <a:avLst/>
+          </a:prstGeom>
+        </p:spPr>
+        <p:txBody>
+          <a:bodyPr rtlCol="0">
+            <a:normAutofit/>
+          </a:bodyPr>
+          <a:lstStyle>
+            <a:lvl1pPr marL="0" indent="0">
+              <a:buNone/>
+              <a:defRPr sz="1200"/>
+            </a:lvl1pPr>
+          </a:lstStyle>
+          <a:p>
+            <a:pPr lvl="0" rtl="0"/>
+            <a:r>
+              <a:rPr lang="pt-BR"/>
+              <a:t>Editar estilos de texto Mestre</a:t>
+            </a:r>
+          </a:p>
+        </p:txBody>
+      </p:sp>
+      <p:sp>
+        <p:nvSpPr>
+          <p:cNvPr id="80" name="Título 79">
+            <a:extLst>
+              <a:ext uri="{FF2B5EF4-FFF2-40B4-BE49-F238E27FC236}">
+                <a16:creationId xmlns:a16="http://schemas.microsoft.com/office/drawing/2014/main" id="{B01B37D2-6ED5-4AE0-9451-213B7C437A46}"/>
+              </a:ext>
+            </a:extLst>
+          </p:cNvPr>
+          <p:cNvSpPr>
+            <a:spLocks noGrp="1"/>
+          </p:cNvSpPr>
+          <p:nvPr userDrawn="1">
+            <p:ph type="title" hasCustomPrompt="1"/>
+          </p:nvPr>
+        </p:nvSpPr>
+        <p:spPr>
+          <a:xfrm>
+            <a:off x="838200" y="302884"/>
+            <a:ext cx="10515600" cy="508075"/>
+          </a:xfrm>
+          <a:prstGeom prst="rect">
+            <a:avLst/>
+          </a:prstGeom>
+        </p:spPr>
+        <p:txBody>
+          <a:bodyPr rtlCol="0"/>
+          <a:lstStyle>
+            <a:lvl1pPr algn="ctr">
+              <a:defRPr sz="4000"/>
+            </a:lvl1pPr>
+          </a:lstStyle>
+          <a:p>
+            <a:pPr rtl="0"/>
+            <a:r>
+              <a:rPr lang="pt-BR"/>
+              <a:t>Clique para editar o estilo de título Mestre</a:t>
+            </a:r>
+            <a:endParaRPr lang="pt-BR" dirty="0"/>
+          </a:p>
+        </p:txBody>
+      </p:sp>
+    </p:spTree>
+    <p:extLst>
+      <p:ext uri="{BB962C8B-B14F-4D97-AF65-F5344CB8AC3E}">
+        <p14:creationId xmlns:p14="http://schemas.microsoft.com/office/powerpoint/2010/main" val="2617146125"/>
+      </p:ext>
+    </p:extLst>
+  </p:cSld>
+  <p:clrMapOvr>
+    <a:masterClrMapping/>
+  </p:clrMapOvr>
+</p:sldLayout>
+</file>
+
 <file path=ppt/slideMasters/slideMaster1.xml><?xml version="1.0" encoding="utf-8"?>
 <p:sldMaster xmlns:a="http://schemas.openxmlformats.org/drawingml/2006/main" xmlns:r="http://schemas.openxmlformats.org/officeDocument/2006/relationships" xmlns:p="http://schemas.openxmlformats.org/presentationml/2006/main">
   <p:cSld>
@@ -4069,6 +6427,7 @@
   <p:sldLayoutIdLst>
     <p:sldLayoutId id="2147483666" r:id="rId1"/>
     <p:sldLayoutId id="2147483667" r:id="rId2"/>
+    <p:sldLayoutId id="2147483668" r:id="rId3"/>
   </p:sldLayoutIdLst>
   <p:txStyles>
     <p:titleStyle>
@@ -4626,8 +6985,8 @@
         </p:nvSpPr>
         <p:spPr>
           <a:xfrm>
-            <a:off x="4563533" y="4842301"/>
-            <a:ext cx="1456267" cy="307777"/>
+            <a:off x="4492795" y="4810780"/>
+            <a:ext cx="1456267" cy="523220"/>
           </a:xfrm>
         </p:spPr>
         <p:txBody>
@@ -4635,7 +6994,10 @@
           <a:lstStyle/>
           <a:p>
             <a:pPr algn="ctr" rtl="0"/>
-            <a:endParaRPr lang="pt-BR" dirty="0"/>
+            <a:r>
+              <a:rPr lang="pt-BR" dirty="0"/>
+              <a:t>Técnico em Informática</a:t>
+            </a:r>
           </a:p>
         </p:txBody>
       </p:sp>
@@ -4831,32 +7193,6 @@
             <a:ext cx="1456267" cy="307777"/>
           </a:xfrm>
         </p:spPr>
-        <p:txBody>
-          <a:bodyPr rtlCol="0"/>
-          <a:lstStyle/>
-          <a:p>
-            <a:pPr algn="ctr" rtl="0"/>
-            <a:endParaRPr lang="pt-BR" dirty="0"/>
-          </a:p>
-        </p:txBody>
-      </p:sp>
-      <p:sp>
-        <p:nvSpPr>
-          <p:cNvPr id="153" name="Espaço Reservado para Texto 152">
-            <a:extLst>
-              <a:ext uri="{FF2B5EF4-FFF2-40B4-BE49-F238E27FC236}">
-                <a16:creationId xmlns:a16="http://schemas.microsoft.com/office/drawing/2014/main" id="{3438E46A-B137-4243-AE7B-9C78EC9F8F15}"/>
-              </a:ext>
-            </a:extLst>
-          </p:cNvPr>
-          <p:cNvSpPr>
-            <a:spLocks noGrp="1"/>
-          </p:cNvSpPr>
-          <p:nvPr>
-            <p:ph type="body" sz="quarter" idx="12"/>
-          </p:nvPr>
-        </p:nvSpPr>
-        <p:spPr/>
         <p:txBody>
           <a:bodyPr rtlCol="0"/>
           <a:lstStyle/>
@@ -6432,10 +8768,2717 @@
           </a:prstGeom>
         </p:spPr>
       </p:pic>
+      <p:pic>
+        <p:nvPicPr>
+          <p:cNvPr id="25" name="Imagem 24">
+            <a:extLst>
+              <a:ext uri="{FF2B5EF4-FFF2-40B4-BE49-F238E27FC236}">
+                <a16:creationId xmlns:a16="http://schemas.microsoft.com/office/drawing/2014/main" id="{2B845425-FC61-4170-AA41-E0D04E6C3677}"/>
+              </a:ext>
+            </a:extLst>
+          </p:cNvPr>
+          <p:cNvPicPr>
+            <a:picLocks noChangeAspect="1"/>
+          </p:cNvPicPr>
+          <p:nvPr/>
+        </p:nvPicPr>
+        <p:blipFill>
+          <a:blip r:embed="rId8" cstate="print">
+            <a:extLst>
+              <a:ext uri="{28A0092B-C50C-407E-A947-70E740481C1C}">
+                <a14:useLocalDpi xmlns:a14="http://schemas.microsoft.com/office/drawing/2010/main" val="0"/>
+              </a:ext>
+            </a:extLst>
+          </a:blip>
+          <a:stretch>
+            <a:fillRect/>
+          </a:stretch>
+        </p:blipFill>
+        <p:spPr>
+          <a:xfrm>
+            <a:off x="4910944" y="4216728"/>
+            <a:ext cx="659323" cy="659323"/>
+          </a:xfrm>
+          <a:prstGeom prst="rect">
+            <a:avLst/>
+          </a:prstGeom>
+        </p:spPr>
+      </p:pic>
     </p:spTree>
     <p:extLst>
       <p:ext uri="{BB962C8B-B14F-4D97-AF65-F5344CB8AC3E}">
         <p14:creationId xmlns:p14="http://schemas.microsoft.com/office/powerpoint/2010/main" val="916318243"/>
+      </p:ext>
+    </p:extLst>
+  </p:cSld>
+  <p:clrMapOvr>
+    <a:masterClrMapping/>
+  </p:clrMapOvr>
+</p:sld>
+</file>
+
+<file path=ppt/slides/slide2.xml><?xml version="1.0" encoding="utf-8"?>
+<p:sld xmlns:a="http://schemas.openxmlformats.org/drawingml/2006/main" xmlns:r="http://schemas.openxmlformats.org/officeDocument/2006/relationships" xmlns:p="http://schemas.openxmlformats.org/presentationml/2006/main">
+  <p:cSld>
+    <p:spTree>
+      <p:nvGrpSpPr>
+        <p:cNvPr id="1" name=""/>
+        <p:cNvGrpSpPr/>
+        <p:nvPr/>
+      </p:nvGrpSpPr>
+      <p:grpSpPr>
+        <a:xfrm>
+          <a:off x="0" y="0"/>
+          <a:ext cx="0" cy="0"/>
+          <a:chOff x="0" y="0"/>
+          <a:chExt cx="0" cy="0"/>
+        </a:xfrm>
+      </p:grpSpPr>
+      <p:sp>
+        <p:nvSpPr>
+          <p:cNvPr id="14" name="Espaço Reservado para Texto 13">
+            <a:extLst>
+              <a:ext uri="{FF2B5EF4-FFF2-40B4-BE49-F238E27FC236}">
+                <a16:creationId xmlns:a16="http://schemas.microsoft.com/office/drawing/2014/main" id="{DA9FEA07-D93F-4762-9638-61C3FF0F56AA}"/>
+              </a:ext>
+            </a:extLst>
+          </p:cNvPr>
+          <p:cNvSpPr>
+            <a:spLocks noGrp="1"/>
+          </p:cNvSpPr>
+          <p:nvPr>
+            <p:ph type="body" sz="quarter" idx="19"/>
+          </p:nvPr>
+        </p:nvSpPr>
+        <p:spPr/>
+        <p:txBody>
+          <a:bodyPr rtlCol="0"/>
+          <a:lstStyle/>
+          <a:p>
+            <a:pPr rtl="0"/>
+            <a:endParaRPr lang="pt-BR" dirty="0"/>
+          </a:p>
+        </p:txBody>
+      </p:sp>
+      <p:sp>
+        <p:nvSpPr>
+          <p:cNvPr id="9" name="Espaço Reservado para Texto 8">
+            <a:extLst>
+              <a:ext uri="{FF2B5EF4-FFF2-40B4-BE49-F238E27FC236}">
+                <a16:creationId xmlns:a16="http://schemas.microsoft.com/office/drawing/2014/main" id="{DCEE00AC-18F9-4EA9-8216-AC2AF3F2674E}"/>
+              </a:ext>
+            </a:extLst>
+          </p:cNvPr>
+          <p:cNvSpPr>
+            <a:spLocks noGrp="1"/>
+          </p:cNvSpPr>
+          <p:nvPr>
+            <p:ph type="body" sz="quarter" idx="14"/>
+          </p:nvPr>
+        </p:nvSpPr>
+        <p:spPr/>
+        <p:txBody>
+          <a:bodyPr rtlCol="0">
+            <a:normAutofit lnSpcReduction="10000"/>
+          </a:bodyPr>
+          <a:lstStyle/>
+          <a:p>
+            <a:pPr rtl="0"/>
+            <a:endParaRPr lang="pt-BR" dirty="0"/>
+          </a:p>
+        </p:txBody>
+      </p:sp>
+      <p:sp>
+        <p:nvSpPr>
+          <p:cNvPr id="17" name="Forma Livre: Forma 31" title="Ícone de um foguete">
+            <a:extLst>
+              <a:ext uri="{FF2B5EF4-FFF2-40B4-BE49-F238E27FC236}">
+                <a16:creationId xmlns:a16="http://schemas.microsoft.com/office/drawing/2014/main" id="{C8428BDF-ABD1-434E-8BCA-4FB3B4F3598B}"/>
+              </a:ext>
+            </a:extLst>
+          </p:cNvPr>
+          <p:cNvSpPr>
+            <a:spLocks/>
+          </p:cNvSpPr>
+          <p:nvPr/>
+        </p:nvSpPr>
+        <p:spPr bwMode="auto">
+          <a:xfrm>
+            <a:off x="9797119" y="1345335"/>
+            <a:ext cx="254148" cy="571308"/>
+          </a:xfrm>
+          <a:custGeom>
+            <a:avLst/>
+            <a:gdLst/>
+            <a:ahLst/>
+            <a:cxnLst/>
+            <a:rect l="0" t="0" r="r" b="b"/>
+            <a:pathLst>
+              <a:path w="383742" h="863421">
+                <a:moveTo>
+                  <a:pt x="193716" y="5535"/>
+                </a:moveTo>
+                <a:lnTo>
+                  <a:pt x="184861" y="15128"/>
+                </a:lnTo>
+                <a:cubicBezTo>
+                  <a:pt x="184861" y="15128"/>
+                  <a:pt x="121396" y="80069"/>
+                  <a:pt x="90401" y="173053"/>
+                </a:cubicBezTo>
+                <a:cubicBezTo>
+                  <a:pt x="80069" y="202572"/>
+                  <a:pt x="74166" y="236518"/>
+                  <a:pt x="74166" y="272679"/>
+                </a:cubicBezTo>
+                <a:cubicBezTo>
+                  <a:pt x="74166" y="316957"/>
+                  <a:pt x="79331" y="384850"/>
+                  <a:pt x="85235" y="447577"/>
+                </a:cubicBezTo>
+                <a:lnTo>
+                  <a:pt x="5535" y="526539"/>
+                </a:lnTo>
+                <a:lnTo>
+                  <a:pt x="16604" y="647566"/>
+                </a:lnTo>
+                <a:lnTo>
+                  <a:pt x="99994" y="597384"/>
+                </a:lnTo>
+                <a:cubicBezTo>
+                  <a:pt x="99994" y="598122"/>
+                  <a:pt x="100733" y="604026"/>
+                  <a:pt x="100733" y="604026"/>
+                </a:cubicBezTo>
+                <a:lnTo>
+                  <a:pt x="100733" y="606240"/>
+                </a:lnTo>
+                <a:lnTo>
+                  <a:pt x="101470" y="608453"/>
+                </a:lnTo>
+                <a:cubicBezTo>
+                  <a:pt x="101470" y="608453"/>
+                  <a:pt x="103684" y="612143"/>
+                  <a:pt x="106636" y="615095"/>
+                </a:cubicBezTo>
+                <a:cubicBezTo>
+                  <a:pt x="108112" y="615833"/>
+                  <a:pt x="109588" y="617309"/>
+                  <a:pt x="111064" y="618047"/>
+                </a:cubicBezTo>
+                <a:lnTo>
+                  <a:pt x="123609" y="668967"/>
+                </a:lnTo>
+                <a:cubicBezTo>
+                  <a:pt x="123609" y="668967"/>
+                  <a:pt x="124347" y="671181"/>
+                  <a:pt x="125085" y="672657"/>
+                </a:cubicBezTo>
+                <a:cubicBezTo>
+                  <a:pt x="125823" y="674133"/>
+                  <a:pt x="127299" y="674870"/>
+                  <a:pt x="128037" y="676346"/>
+                </a:cubicBezTo>
+                <a:cubicBezTo>
+                  <a:pt x="130989" y="678560"/>
+                  <a:pt x="133941" y="680775"/>
+                  <a:pt x="139107" y="682988"/>
+                </a:cubicBezTo>
+                <a:cubicBezTo>
+                  <a:pt x="148700" y="686678"/>
+                  <a:pt x="164198" y="689630"/>
+                  <a:pt x="191502" y="689630"/>
+                </a:cubicBezTo>
+                <a:cubicBezTo>
+                  <a:pt x="218807" y="689630"/>
+                  <a:pt x="234304" y="687416"/>
+                  <a:pt x="243898" y="682988"/>
+                </a:cubicBezTo>
+                <a:cubicBezTo>
+                  <a:pt x="249064" y="680775"/>
+                  <a:pt x="252016" y="678560"/>
+                  <a:pt x="254967" y="676346"/>
+                </a:cubicBezTo>
+                <a:cubicBezTo>
+                  <a:pt x="256443" y="674870"/>
+                  <a:pt x="257181" y="674133"/>
+                  <a:pt x="257919" y="672657"/>
+                </a:cubicBezTo>
+                <a:cubicBezTo>
+                  <a:pt x="258657" y="671181"/>
+                  <a:pt x="259395" y="668967"/>
+                  <a:pt x="259395" y="668967"/>
+                </a:cubicBezTo>
+                <a:lnTo>
+                  <a:pt x="272679" y="618047"/>
+                </a:lnTo>
+                <a:cubicBezTo>
+                  <a:pt x="274155" y="617309"/>
+                  <a:pt x="275630" y="615833"/>
+                  <a:pt x="277106" y="615095"/>
+                </a:cubicBezTo>
+                <a:cubicBezTo>
+                  <a:pt x="280058" y="612143"/>
+                  <a:pt x="282272" y="608453"/>
+                  <a:pt x="282272" y="608453"/>
+                </a:cubicBezTo>
+                <a:lnTo>
+                  <a:pt x="283010" y="606240"/>
+                </a:lnTo>
+                <a:lnTo>
+                  <a:pt x="283010" y="604026"/>
+                </a:lnTo>
+                <a:cubicBezTo>
+                  <a:pt x="283010" y="604026"/>
+                  <a:pt x="283748" y="598860"/>
+                  <a:pt x="283748" y="597384"/>
+                </a:cubicBezTo>
+                <a:lnTo>
+                  <a:pt x="366401" y="646828"/>
+                </a:lnTo>
+                <a:lnTo>
+                  <a:pt x="378208" y="525802"/>
+                </a:lnTo>
+                <a:lnTo>
+                  <a:pt x="299245" y="446839"/>
+                </a:lnTo>
+                <a:cubicBezTo>
+                  <a:pt x="305149" y="383374"/>
+                  <a:pt x="310315" y="315481"/>
+                  <a:pt x="310315" y="271941"/>
+                </a:cubicBezTo>
+                <a:cubicBezTo>
+                  <a:pt x="310315" y="235780"/>
+                  <a:pt x="303673" y="202572"/>
+                  <a:pt x="293342" y="173053"/>
+                </a:cubicBezTo>
+                <a:cubicBezTo>
+                  <a:pt x="262347" y="80807"/>
+                  <a:pt x="198882" y="15128"/>
+                  <a:pt x="198882" y="15128"/>
+                </a:cubicBezTo>
+                <a:lnTo>
+                  <a:pt x="193716" y="5535"/>
+                </a:lnTo>
+                <a:close/>
+                <a:moveTo>
+                  <a:pt x="193716" y="43171"/>
+                </a:moveTo>
+                <a:cubicBezTo>
+                  <a:pt x="206262" y="57192"/>
+                  <a:pt x="248326" y="106636"/>
+                  <a:pt x="273417" y="181171"/>
+                </a:cubicBezTo>
+                <a:cubicBezTo>
+                  <a:pt x="283010" y="209214"/>
+                  <a:pt x="288914" y="239470"/>
+                  <a:pt x="288914" y="272679"/>
+                </a:cubicBezTo>
+                <a:cubicBezTo>
+                  <a:pt x="288914" y="315481"/>
+                  <a:pt x="283748" y="384850"/>
+                  <a:pt x="277106" y="448315"/>
+                </a:cubicBezTo>
+                <a:cubicBezTo>
+                  <a:pt x="277106" y="449791"/>
+                  <a:pt x="277106" y="450529"/>
+                  <a:pt x="277106" y="452005"/>
+                </a:cubicBezTo>
+                <a:cubicBezTo>
+                  <a:pt x="270465" y="526539"/>
+                  <a:pt x="262347" y="592956"/>
+                  <a:pt x="262347" y="597384"/>
+                </a:cubicBezTo>
+                <a:cubicBezTo>
+                  <a:pt x="260871" y="598122"/>
+                  <a:pt x="259395" y="599598"/>
+                  <a:pt x="255706" y="601812"/>
+                </a:cubicBezTo>
+                <a:cubicBezTo>
+                  <a:pt x="246850" y="605502"/>
+                  <a:pt x="228401" y="609929"/>
+                  <a:pt x="194454" y="609929"/>
+                </a:cubicBezTo>
+                <a:cubicBezTo>
+                  <a:pt x="160508" y="609929"/>
+                  <a:pt x="141321" y="605502"/>
+                  <a:pt x="132465" y="601812"/>
+                </a:cubicBezTo>
+                <a:cubicBezTo>
+                  <a:pt x="128775" y="600336"/>
+                  <a:pt x="126561" y="598860"/>
+                  <a:pt x="125823" y="597384"/>
+                </a:cubicBezTo>
+                <a:cubicBezTo>
+                  <a:pt x="125085" y="592956"/>
+                  <a:pt x="117706" y="528015"/>
+                  <a:pt x="111064" y="453480"/>
+                </a:cubicBezTo>
+                <a:cubicBezTo>
+                  <a:pt x="111064" y="452005"/>
+                  <a:pt x="111064" y="450529"/>
+                  <a:pt x="110326" y="448315"/>
+                </a:cubicBezTo>
+                <a:cubicBezTo>
+                  <a:pt x="104422" y="384850"/>
+                  <a:pt x="99257" y="316219"/>
+                  <a:pt x="99257" y="272679"/>
+                </a:cubicBezTo>
+                <a:cubicBezTo>
+                  <a:pt x="99257" y="239470"/>
+                  <a:pt x="105160" y="209214"/>
+                  <a:pt x="114754" y="181171"/>
+                </a:cubicBezTo>
+                <a:cubicBezTo>
+                  <a:pt x="139107" y="106636"/>
+                  <a:pt x="181171" y="57192"/>
+                  <a:pt x="193716" y="43171"/>
+                </a:cubicBezTo>
+                <a:close/>
+                <a:moveTo>
+                  <a:pt x="150176" y="224711"/>
+                </a:moveTo>
+                <a:cubicBezTo>
+                  <a:pt x="125823" y="249064"/>
+                  <a:pt x="125823" y="288176"/>
+                  <a:pt x="150176" y="311791"/>
+                </a:cubicBezTo>
+                <a:cubicBezTo>
+                  <a:pt x="174529" y="336144"/>
+                  <a:pt x="213641" y="336144"/>
+                  <a:pt x="237256" y="311791"/>
+                </a:cubicBezTo>
+                <a:cubicBezTo>
+                  <a:pt x="261609" y="287438"/>
+                  <a:pt x="261609" y="248326"/>
+                  <a:pt x="237256" y="224711"/>
+                </a:cubicBezTo>
+                <a:cubicBezTo>
+                  <a:pt x="213641" y="200358"/>
+                  <a:pt x="173791" y="200358"/>
+                  <a:pt x="150176" y="224711"/>
+                </a:cubicBezTo>
+                <a:close/>
+                <a:moveTo>
+                  <a:pt x="167150" y="242422"/>
+                </a:moveTo>
+                <a:cubicBezTo>
+                  <a:pt x="181909" y="227663"/>
+                  <a:pt x="204786" y="227663"/>
+                  <a:pt x="219545" y="242422"/>
+                </a:cubicBezTo>
+                <a:cubicBezTo>
+                  <a:pt x="234304" y="257181"/>
+                  <a:pt x="234304" y="280058"/>
+                  <a:pt x="219545" y="294818"/>
+                </a:cubicBezTo>
+                <a:cubicBezTo>
+                  <a:pt x="204786" y="309577"/>
+                  <a:pt x="181909" y="309577"/>
+                  <a:pt x="167150" y="294818"/>
+                </a:cubicBezTo>
+                <a:cubicBezTo>
+                  <a:pt x="152390" y="280058"/>
+                  <a:pt x="153128" y="256444"/>
+                  <a:pt x="167150" y="242422"/>
+                </a:cubicBezTo>
+                <a:close/>
+                <a:moveTo>
+                  <a:pt x="31364" y="535395"/>
+                </a:moveTo>
+                <a:lnTo>
+                  <a:pt x="87449" y="479309"/>
+                </a:lnTo>
+                <a:cubicBezTo>
+                  <a:pt x="91139" y="516208"/>
+                  <a:pt x="94829" y="547941"/>
+                  <a:pt x="97043" y="570817"/>
+                </a:cubicBezTo>
+                <a:lnTo>
+                  <a:pt x="37267" y="606240"/>
+                </a:lnTo>
+                <a:lnTo>
+                  <a:pt x="31364" y="535395"/>
+                </a:lnTo>
+                <a:close/>
+                <a:moveTo>
+                  <a:pt x="140583" y="629117"/>
+                </a:moveTo>
+                <a:cubicBezTo>
+                  <a:pt x="153866" y="632068"/>
+                  <a:pt x="170101" y="634282"/>
+                  <a:pt x="193716" y="634282"/>
+                </a:cubicBezTo>
+                <a:cubicBezTo>
+                  <a:pt x="217331" y="634282"/>
+                  <a:pt x="234304" y="632068"/>
+                  <a:pt x="246850" y="629117"/>
+                </a:cubicBezTo>
+                <a:lnTo>
+                  <a:pt x="239470" y="659373"/>
+                </a:lnTo>
+                <a:cubicBezTo>
+                  <a:pt x="239470" y="659373"/>
+                  <a:pt x="239470" y="659373"/>
+                  <a:pt x="237256" y="660111"/>
+                </a:cubicBezTo>
+                <a:cubicBezTo>
+                  <a:pt x="232091" y="662325"/>
+                  <a:pt x="219545" y="665277"/>
+                  <a:pt x="193716" y="665277"/>
+                </a:cubicBezTo>
+                <a:cubicBezTo>
+                  <a:pt x="167887" y="665277"/>
+                  <a:pt x="155342" y="662325"/>
+                  <a:pt x="150176" y="660111"/>
+                </a:cubicBezTo>
+                <a:cubicBezTo>
+                  <a:pt x="148700" y="659373"/>
+                  <a:pt x="148700" y="659373"/>
+                  <a:pt x="147962" y="659373"/>
+                </a:cubicBezTo>
+                <a:lnTo>
+                  <a:pt x="140583" y="629117"/>
+                </a:lnTo>
+                <a:close/>
+                <a:moveTo>
+                  <a:pt x="299984" y="479309"/>
+                </a:moveTo>
+                <a:lnTo>
+                  <a:pt x="356069" y="535395"/>
+                </a:lnTo>
+                <a:lnTo>
+                  <a:pt x="349427" y="606240"/>
+                </a:lnTo>
+                <a:lnTo>
+                  <a:pt x="290390" y="570817"/>
+                </a:lnTo>
+                <a:cubicBezTo>
+                  <a:pt x="292604" y="547941"/>
+                  <a:pt x="296294" y="516946"/>
+                  <a:pt x="299984" y="479309"/>
+                </a:cubicBezTo>
+                <a:close/>
+                <a:moveTo>
+                  <a:pt x="146486" y="703651"/>
+                </a:moveTo>
+                <a:cubicBezTo>
+                  <a:pt x="143535" y="728742"/>
+                  <a:pt x="131727" y="743502"/>
+                  <a:pt x="131727" y="766378"/>
+                </a:cubicBezTo>
+                <a:cubicBezTo>
+                  <a:pt x="131727" y="778186"/>
+                  <a:pt x="135417" y="790731"/>
+                  <a:pt x="143535" y="804015"/>
+                </a:cubicBezTo>
+                <a:cubicBezTo>
+                  <a:pt x="151652" y="818036"/>
+                  <a:pt x="164935" y="833533"/>
+                  <a:pt x="184861" y="853458"/>
+                </a:cubicBezTo>
+                <a:lnTo>
+                  <a:pt x="193716" y="862314"/>
+                </a:lnTo>
+                <a:lnTo>
+                  <a:pt x="202572" y="853458"/>
+                </a:lnTo>
+                <a:cubicBezTo>
+                  <a:pt x="242422" y="813609"/>
+                  <a:pt x="255706" y="787041"/>
+                  <a:pt x="255706" y="763426"/>
+                </a:cubicBezTo>
+                <a:cubicBezTo>
+                  <a:pt x="255706" y="739812"/>
+                  <a:pt x="243898" y="724314"/>
+                  <a:pt x="240946" y="703651"/>
+                </a:cubicBezTo>
+                <a:lnTo>
+                  <a:pt x="216593" y="707341"/>
+                </a:lnTo>
+                <a:cubicBezTo>
+                  <a:pt x="221021" y="733908"/>
+                  <a:pt x="230615" y="749405"/>
+                  <a:pt x="231352" y="764165"/>
+                </a:cubicBezTo>
+                <a:cubicBezTo>
+                  <a:pt x="231352" y="776710"/>
+                  <a:pt x="221759" y="795897"/>
+                  <a:pt x="194454" y="826154"/>
+                </a:cubicBezTo>
+                <a:cubicBezTo>
+                  <a:pt x="181909" y="812870"/>
+                  <a:pt x="170839" y="800325"/>
+                  <a:pt x="165674" y="791470"/>
+                </a:cubicBezTo>
+                <a:cubicBezTo>
+                  <a:pt x="159032" y="780400"/>
+                  <a:pt x="157556" y="773758"/>
+                  <a:pt x="157556" y="767116"/>
+                </a:cubicBezTo>
+                <a:cubicBezTo>
+                  <a:pt x="157556" y="753833"/>
+                  <a:pt x="167887" y="737598"/>
+                  <a:pt x="171577" y="707341"/>
+                </a:cubicBezTo>
+                <a:lnTo>
+                  <a:pt x="146486" y="703651"/>
+                </a:lnTo>
+                <a:close/>
+                <a:moveTo>
+                  <a:pt x="238732" y="661587"/>
+                </a:moveTo>
+                <a:lnTo>
+                  <a:pt x="238732" y="663063"/>
+                </a:lnTo>
+                <a:cubicBezTo>
+                  <a:pt x="237994" y="662325"/>
+                  <a:pt x="238732" y="662325"/>
+                  <a:pt x="238732" y="661587"/>
+                </a:cubicBezTo>
+                <a:close/>
+              </a:path>
+            </a:pathLst>
+          </a:custGeom>
+          <a:solidFill>
+            <a:schemeClr val="accent5"/>
+          </a:solidFill>
+          <a:ln>
+            <a:noFill/>
+          </a:ln>
+        </p:spPr>
+        <p:txBody>
+          <a:bodyPr rtlCol="0" anchor="ctr"/>
+          <a:lstStyle/>
+          <a:p>
+            <a:pPr rtl="0"/>
+            <a:endParaRPr lang="pt-BR" dirty="0"/>
+          </a:p>
+        </p:txBody>
+      </p:sp>
+      <p:sp>
+        <p:nvSpPr>
+          <p:cNvPr id="13" name="Espaço Reservado para Texto 12">
+            <a:extLst>
+              <a:ext uri="{FF2B5EF4-FFF2-40B4-BE49-F238E27FC236}">
+                <a16:creationId xmlns:a16="http://schemas.microsoft.com/office/drawing/2014/main" id="{1275D0C0-AF99-4CDD-AC65-E3E7025CD28E}"/>
+              </a:ext>
+            </a:extLst>
+          </p:cNvPr>
+          <p:cNvSpPr>
+            <a:spLocks noGrp="1"/>
+          </p:cNvSpPr>
+          <p:nvPr>
+            <p:ph type="body" sz="quarter" idx="18"/>
+          </p:nvPr>
+        </p:nvSpPr>
+        <p:spPr/>
+        <p:txBody>
+          <a:bodyPr rtlCol="0"/>
+          <a:lstStyle/>
+          <a:p>
+            <a:pPr rtl="0"/>
+            <a:endParaRPr lang="pt-BR" dirty="0"/>
+          </a:p>
+        </p:txBody>
+      </p:sp>
+      <p:sp>
+        <p:nvSpPr>
+          <p:cNvPr id="8" name="Espaço Reservado para Texto 7">
+            <a:extLst>
+              <a:ext uri="{FF2B5EF4-FFF2-40B4-BE49-F238E27FC236}">
+                <a16:creationId xmlns:a16="http://schemas.microsoft.com/office/drawing/2014/main" id="{5E77AC98-6D4A-47AF-84B8-BFA85936A0D4}"/>
+              </a:ext>
+            </a:extLst>
+          </p:cNvPr>
+          <p:cNvSpPr>
+            <a:spLocks noGrp="1"/>
+          </p:cNvSpPr>
+          <p:nvPr>
+            <p:ph type="body" sz="quarter" idx="13"/>
+          </p:nvPr>
+        </p:nvSpPr>
+        <p:spPr/>
+        <p:txBody>
+          <a:bodyPr rtlCol="0">
+            <a:normAutofit lnSpcReduction="10000"/>
+          </a:bodyPr>
+          <a:lstStyle/>
+          <a:p>
+            <a:pPr rtl="0"/>
+            <a:endParaRPr lang="pt-BR" dirty="0"/>
+          </a:p>
+        </p:txBody>
+      </p:sp>
+      <p:sp>
+        <p:nvSpPr>
+          <p:cNvPr id="18" name="Forma Livre: Forma 31" title="Ícone de um foguete">
+            <a:extLst>
+              <a:ext uri="{FF2B5EF4-FFF2-40B4-BE49-F238E27FC236}">
+                <a16:creationId xmlns:a16="http://schemas.microsoft.com/office/drawing/2014/main" id="{1C15E055-1CFD-B647-809A-AFE70DACF083}"/>
+              </a:ext>
+            </a:extLst>
+          </p:cNvPr>
+          <p:cNvSpPr>
+            <a:spLocks/>
+          </p:cNvSpPr>
+          <p:nvPr/>
+        </p:nvSpPr>
+        <p:spPr bwMode="auto">
+          <a:xfrm>
+            <a:off x="7532146" y="5827983"/>
+            <a:ext cx="254148" cy="571308"/>
+          </a:xfrm>
+          <a:custGeom>
+            <a:avLst/>
+            <a:gdLst/>
+            <a:ahLst/>
+            <a:cxnLst/>
+            <a:rect l="0" t="0" r="r" b="b"/>
+            <a:pathLst>
+              <a:path w="383742" h="863421">
+                <a:moveTo>
+                  <a:pt x="193716" y="5535"/>
+                </a:moveTo>
+                <a:lnTo>
+                  <a:pt x="184861" y="15128"/>
+                </a:lnTo>
+                <a:cubicBezTo>
+                  <a:pt x="184861" y="15128"/>
+                  <a:pt x="121396" y="80069"/>
+                  <a:pt x="90401" y="173053"/>
+                </a:cubicBezTo>
+                <a:cubicBezTo>
+                  <a:pt x="80069" y="202572"/>
+                  <a:pt x="74166" y="236518"/>
+                  <a:pt x="74166" y="272679"/>
+                </a:cubicBezTo>
+                <a:cubicBezTo>
+                  <a:pt x="74166" y="316957"/>
+                  <a:pt x="79331" y="384850"/>
+                  <a:pt x="85235" y="447577"/>
+                </a:cubicBezTo>
+                <a:lnTo>
+                  <a:pt x="5535" y="526539"/>
+                </a:lnTo>
+                <a:lnTo>
+                  <a:pt x="16604" y="647566"/>
+                </a:lnTo>
+                <a:lnTo>
+                  <a:pt x="99994" y="597384"/>
+                </a:lnTo>
+                <a:cubicBezTo>
+                  <a:pt x="99994" y="598122"/>
+                  <a:pt x="100733" y="604026"/>
+                  <a:pt x="100733" y="604026"/>
+                </a:cubicBezTo>
+                <a:lnTo>
+                  <a:pt x="100733" y="606240"/>
+                </a:lnTo>
+                <a:lnTo>
+                  <a:pt x="101470" y="608453"/>
+                </a:lnTo>
+                <a:cubicBezTo>
+                  <a:pt x="101470" y="608453"/>
+                  <a:pt x="103684" y="612143"/>
+                  <a:pt x="106636" y="615095"/>
+                </a:cubicBezTo>
+                <a:cubicBezTo>
+                  <a:pt x="108112" y="615833"/>
+                  <a:pt x="109588" y="617309"/>
+                  <a:pt x="111064" y="618047"/>
+                </a:cubicBezTo>
+                <a:lnTo>
+                  <a:pt x="123609" y="668967"/>
+                </a:lnTo>
+                <a:cubicBezTo>
+                  <a:pt x="123609" y="668967"/>
+                  <a:pt x="124347" y="671181"/>
+                  <a:pt x="125085" y="672657"/>
+                </a:cubicBezTo>
+                <a:cubicBezTo>
+                  <a:pt x="125823" y="674133"/>
+                  <a:pt x="127299" y="674870"/>
+                  <a:pt x="128037" y="676346"/>
+                </a:cubicBezTo>
+                <a:cubicBezTo>
+                  <a:pt x="130989" y="678560"/>
+                  <a:pt x="133941" y="680775"/>
+                  <a:pt x="139107" y="682988"/>
+                </a:cubicBezTo>
+                <a:cubicBezTo>
+                  <a:pt x="148700" y="686678"/>
+                  <a:pt x="164198" y="689630"/>
+                  <a:pt x="191502" y="689630"/>
+                </a:cubicBezTo>
+                <a:cubicBezTo>
+                  <a:pt x="218807" y="689630"/>
+                  <a:pt x="234304" y="687416"/>
+                  <a:pt x="243898" y="682988"/>
+                </a:cubicBezTo>
+                <a:cubicBezTo>
+                  <a:pt x="249064" y="680775"/>
+                  <a:pt x="252016" y="678560"/>
+                  <a:pt x="254967" y="676346"/>
+                </a:cubicBezTo>
+                <a:cubicBezTo>
+                  <a:pt x="256443" y="674870"/>
+                  <a:pt x="257181" y="674133"/>
+                  <a:pt x="257919" y="672657"/>
+                </a:cubicBezTo>
+                <a:cubicBezTo>
+                  <a:pt x="258657" y="671181"/>
+                  <a:pt x="259395" y="668967"/>
+                  <a:pt x="259395" y="668967"/>
+                </a:cubicBezTo>
+                <a:lnTo>
+                  <a:pt x="272679" y="618047"/>
+                </a:lnTo>
+                <a:cubicBezTo>
+                  <a:pt x="274155" y="617309"/>
+                  <a:pt x="275630" y="615833"/>
+                  <a:pt x="277106" y="615095"/>
+                </a:cubicBezTo>
+                <a:cubicBezTo>
+                  <a:pt x="280058" y="612143"/>
+                  <a:pt x="282272" y="608453"/>
+                  <a:pt x="282272" y="608453"/>
+                </a:cubicBezTo>
+                <a:lnTo>
+                  <a:pt x="283010" y="606240"/>
+                </a:lnTo>
+                <a:lnTo>
+                  <a:pt x="283010" y="604026"/>
+                </a:lnTo>
+                <a:cubicBezTo>
+                  <a:pt x="283010" y="604026"/>
+                  <a:pt x="283748" y="598860"/>
+                  <a:pt x="283748" y="597384"/>
+                </a:cubicBezTo>
+                <a:lnTo>
+                  <a:pt x="366401" y="646828"/>
+                </a:lnTo>
+                <a:lnTo>
+                  <a:pt x="378208" y="525802"/>
+                </a:lnTo>
+                <a:lnTo>
+                  <a:pt x="299245" y="446839"/>
+                </a:lnTo>
+                <a:cubicBezTo>
+                  <a:pt x="305149" y="383374"/>
+                  <a:pt x="310315" y="315481"/>
+                  <a:pt x="310315" y="271941"/>
+                </a:cubicBezTo>
+                <a:cubicBezTo>
+                  <a:pt x="310315" y="235780"/>
+                  <a:pt x="303673" y="202572"/>
+                  <a:pt x="293342" y="173053"/>
+                </a:cubicBezTo>
+                <a:cubicBezTo>
+                  <a:pt x="262347" y="80807"/>
+                  <a:pt x="198882" y="15128"/>
+                  <a:pt x="198882" y="15128"/>
+                </a:cubicBezTo>
+                <a:lnTo>
+                  <a:pt x="193716" y="5535"/>
+                </a:lnTo>
+                <a:close/>
+                <a:moveTo>
+                  <a:pt x="193716" y="43171"/>
+                </a:moveTo>
+                <a:cubicBezTo>
+                  <a:pt x="206262" y="57192"/>
+                  <a:pt x="248326" y="106636"/>
+                  <a:pt x="273417" y="181171"/>
+                </a:cubicBezTo>
+                <a:cubicBezTo>
+                  <a:pt x="283010" y="209214"/>
+                  <a:pt x="288914" y="239470"/>
+                  <a:pt x="288914" y="272679"/>
+                </a:cubicBezTo>
+                <a:cubicBezTo>
+                  <a:pt x="288914" y="315481"/>
+                  <a:pt x="283748" y="384850"/>
+                  <a:pt x="277106" y="448315"/>
+                </a:cubicBezTo>
+                <a:cubicBezTo>
+                  <a:pt x="277106" y="449791"/>
+                  <a:pt x="277106" y="450529"/>
+                  <a:pt x="277106" y="452005"/>
+                </a:cubicBezTo>
+                <a:cubicBezTo>
+                  <a:pt x="270465" y="526539"/>
+                  <a:pt x="262347" y="592956"/>
+                  <a:pt x="262347" y="597384"/>
+                </a:cubicBezTo>
+                <a:cubicBezTo>
+                  <a:pt x="260871" y="598122"/>
+                  <a:pt x="259395" y="599598"/>
+                  <a:pt x="255706" y="601812"/>
+                </a:cubicBezTo>
+                <a:cubicBezTo>
+                  <a:pt x="246850" y="605502"/>
+                  <a:pt x="228401" y="609929"/>
+                  <a:pt x="194454" y="609929"/>
+                </a:cubicBezTo>
+                <a:cubicBezTo>
+                  <a:pt x="160508" y="609929"/>
+                  <a:pt x="141321" y="605502"/>
+                  <a:pt x="132465" y="601812"/>
+                </a:cubicBezTo>
+                <a:cubicBezTo>
+                  <a:pt x="128775" y="600336"/>
+                  <a:pt x="126561" y="598860"/>
+                  <a:pt x="125823" y="597384"/>
+                </a:cubicBezTo>
+                <a:cubicBezTo>
+                  <a:pt x="125085" y="592956"/>
+                  <a:pt x="117706" y="528015"/>
+                  <a:pt x="111064" y="453480"/>
+                </a:cubicBezTo>
+                <a:cubicBezTo>
+                  <a:pt x="111064" y="452005"/>
+                  <a:pt x="111064" y="450529"/>
+                  <a:pt x="110326" y="448315"/>
+                </a:cubicBezTo>
+                <a:cubicBezTo>
+                  <a:pt x="104422" y="384850"/>
+                  <a:pt x="99257" y="316219"/>
+                  <a:pt x="99257" y="272679"/>
+                </a:cubicBezTo>
+                <a:cubicBezTo>
+                  <a:pt x="99257" y="239470"/>
+                  <a:pt x="105160" y="209214"/>
+                  <a:pt x="114754" y="181171"/>
+                </a:cubicBezTo>
+                <a:cubicBezTo>
+                  <a:pt x="139107" y="106636"/>
+                  <a:pt x="181171" y="57192"/>
+                  <a:pt x="193716" y="43171"/>
+                </a:cubicBezTo>
+                <a:close/>
+                <a:moveTo>
+                  <a:pt x="150176" y="224711"/>
+                </a:moveTo>
+                <a:cubicBezTo>
+                  <a:pt x="125823" y="249064"/>
+                  <a:pt x="125823" y="288176"/>
+                  <a:pt x="150176" y="311791"/>
+                </a:cubicBezTo>
+                <a:cubicBezTo>
+                  <a:pt x="174529" y="336144"/>
+                  <a:pt x="213641" y="336144"/>
+                  <a:pt x="237256" y="311791"/>
+                </a:cubicBezTo>
+                <a:cubicBezTo>
+                  <a:pt x="261609" y="287438"/>
+                  <a:pt x="261609" y="248326"/>
+                  <a:pt x="237256" y="224711"/>
+                </a:cubicBezTo>
+                <a:cubicBezTo>
+                  <a:pt x="213641" y="200358"/>
+                  <a:pt x="173791" y="200358"/>
+                  <a:pt x="150176" y="224711"/>
+                </a:cubicBezTo>
+                <a:close/>
+                <a:moveTo>
+                  <a:pt x="167150" y="242422"/>
+                </a:moveTo>
+                <a:cubicBezTo>
+                  <a:pt x="181909" y="227663"/>
+                  <a:pt x="204786" y="227663"/>
+                  <a:pt x="219545" y="242422"/>
+                </a:cubicBezTo>
+                <a:cubicBezTo>
+                  <a:pt x="234304" y="257181"/>
+                  <a:pt x="234304" y="280058"/>
+                  <a:pt x="219545" y="294818"/>
+                </a:cubicBezTo>
+                <a:cubicBezTo>
+                  <a:pt x="204786" y="309577"/>
+                  <a:pt x="181909" y="309577"/>
+                  <a:pt x="167150" y="294818"/>
+                </a:cubicBezTo>
+                <a:cubicBezTo>
+                  <a:pt x="152390" y="280058"/>
+                  <a:pt x="153128" y="256444"/>
+                  <a:pt x="167150" y="242422"/>
+                </a:cubicBezTo>
+                <a:close/>
+                <a:moveTo>
+                  <a:pt x="31364" y="535395"/>
+                </a:moveTo>
+                <a:lnTo>
+                  <a:pt x="87449" y="479309"/>
+                </a:lnTo>
+                <a:cubicBezTo>
+                  <a:pt x="91139" y="516208"/>
+                  <a:pt x="94829" y="547941"/>
+                  <a:pt x="97043" y="570817"/>
+                </a:cubicBezTo>
+                <a:lnTo>
+                  <a:pt x="37267" y="606240"/>
+                </a:lnTo>
+                <a:lnTo>
+                  <a:pt x="31364" y="535395"/>
+                </a:lnTo>
+                <a:close/>
+                <a:moveTo>
+                  <a:pt x="140583" y="629117"/>
+                </a:moveTo>
+                <a:cubicBezTo>
+                  <a:pt x="153866" y="632068"/>
+                  <a:pt x="170101" y="634282"/>
+                  <a:pt x="193716" y="634282"/>
+                </a:cubicBezTo>
+                <a:cubicBezTo>
+                  <a:pt x="217331" y="634282"/>
+                  <a:pt x="234304" y="632068"/>
+                  <a:pt x="246850" y="629117"/>
+                </a:cubicBezTo>
+                <a:lnTo>
+                  <a:pt x="239470" y="659373"/>
+                </a:lnTo>
+                <a:cubicBezTo>
+                  <a:pt x="239470" y="659373"/>
+                  <a:pt x="239470" y="659373"/>
+                  <a:pt x="237256" y="660111"/>
+                </a:cubicBezTo>
+                <a:cubicBezTo>
+                  <a:pt x="232091" y="662325"/>
+                  <a:pt x="219545" y="665277"/>
+                  <a:pt x="193716" y="665277"/>
+                </a:cubicBezTo>
+                <a:cubicBezTo>
+                  <a:pt x="167887" y="665277"/>
+                  <a:pt x="155342" y="662325"/>
+                  <a:pt x="150176" y="660111"/>
+                </a:cubicBezTo>
+                <a:cubicBezTo>
+                  <a:pt x="148700" y="659373"/>
+                  <a:pt x="148700" y="659373"/>
+                  <a:pt x="147962" y="659373"/>
+                </a:cubicBezTo>
+                <a:lnTo>
+                  <a:pt x="140583" y="629117"/>
+                </a:lnTo>
+                <a:close/>
+                <a:moveTo>
+                  <a:pt x="299984" y="479309"/>
+                </a:moveTo>
+                <a:lnTo>
+                  <a:pt x="356069" y="535395"/>
+                </a:lnTo>
+                <a:lnTo>
+                  <a:pt x="349427" y="606240"/>
+                </a:lnTo>
+                <a:lnTo>
+                  <a:pt x="290390" y="570817"/>
+                </a:lnTo>
+                <a:cubicBezTo>
+                  <a:pt x="292604" y="547941"/>
+                  <a:pt x="296294" y="516946"/>
+                  <a:pt x="299984" y="479309"/>
+                </a:cubicBezTo>
+                <a:close/>
+                <a:moveTo>
+                  <a:pt x="146486" y="703651"/>
+                </a:moveTo>
+                <a:cubicBezTo>
+                  <a:pt x="143535" y="728742"/>
+                  <a:pt x="131727" y="743502"/>
+                  <a:pt x="131727" y="766378"/>
+                </a:cubicBezTo>
+                <a:cubicBezTo>
+                  <a:pt x="131727" y="778186"/>
+                  <a:pt x="135417" y="790731"/>
+                  <a:pt x="143535" y="804015"/>
+                </a:cubicBezTo>
+                <a:cubicBezTo>
+                  <a:pt x="151652" y="818036"/>
+                  <a:pt x="164935" y="833533"/>
+                  <a:pt x="184861" y="853458"/>
+                </a:cubicBezTo>
+                <a:lnTo>
+                  <a:pt x="193716" y="862314"/>
+                </a:lnTo>
+                <a:lnTo>
+                  <a:pt x="202572" y="853458"/>
+                </a:lnTo>
+                <a:cubicBezTo>
+                  <a:pt x="242422" y="813609"/>
+                  <a:pt x="255706" y="787041"/>
+                  <a:pt x="255706" y="763426"/>
+                </a:cubicBezTo>
+                <a:cubicBezTo>
+                  <a:pt x="255706" y="739812"/>
+                  <a:pt x="243898" y="724314"/>
+                  <a:pt x="240946" y="703651"/>
+                </a:cubicBezTo>
+                <a:lnTo>
+                  <a:pt x="216593" y="707341"/>
+                </a:lnTo>
+                <a:cubicBezTo>
+                  <a:pt x="221021" y="733908"/>
+                  <a:pt x="230615" y="749405"/>
+                  <a:pt x="231352" y="764165"/>
+                </a:cubicBezTo>
+                <a:cubicBezTo>
+                  <a:pt x="231352" y="776710"/>
+                  <a:pt x="221759" y="795897"/>
+                  <a:pt x="194454" y="826154"/>
+                </a:cubicBezTo>
+                <a:cubicBezTo>
+                  <a:pt x="181909" y="812870"/>
+                  <a:pt x="170839" y="800325"/>
+                  <a:pt x="165674" y="791470"/>
+                </a:cubicBezTo>
+                <a:cubicBezTo>
+                  <a:pt x="159032" y="780400"/>
+                  <a:pt x="157556" y="773758"/>
+                  <a:pt x="157556" y="767116"/>
+                </a:cubicBezTo>
+                <a:cubicBezTo>
+                  <a:pt x="157556" y="753833"/>
+                  <a:pt x="167887" y="737598"/>
+                  <a:pt x="171577" y="707341"/>
+                </a:cubicBezTo>
+                <a:lnTo>
+                  <a:pt x="146486" y="703651"/>
+                </a:lnTo>
+                <a:close/>
+                <a:moveTo>
+                  <a:pt x="238732" y="661587"/>
+                </a:moveTo>
+                <a:lnTo>
+                  <a:pt x="238732" y="663063"/>
+                </a:lnTo>
+                <a:cubicBezTo>
+                  <a:pt x="237994" y="662325"/>
+                  <a:pt x="238732" y="662325"/>
+                  <a:pt x="238732" y="661587"/>
+                </a:cubicBezTo>
+                <a:close/>
+              </a:path>
+            </a:pathLst>
+          </a:custGeom>
+          <a:solidFill>
+            <a:schemeClr val="accent4"/>
+          </a:solidFill>
+          <a:ln>
+            <a:noFill/>
+          </a:ln>
+        </p:spPr>
+        <p:txBody>
+          <a:bodyPr rtlCol="0" anchor="ctr"/>
+          <a:lstStyle/>
+          <a:p>
+            <a:pPr rtl="0"/>
+            <a:endParaRPr lang="pt-BR" dirty="0"/>
+          </a:p>
+        </p:txBody>
+      </p:sp>
+      <p:sp>
+        <p:nvSpPr>
+          <p:cNvPr id="12" name="Espaço Reservado para Texto 11">
+            <a:extLst>
+              <a:ext uri="{FF2B5EF4-FFF2-40B4-BE49-F238E27FC236}">
+                <a16:creationId xmlns:a16="http://schemas.microsoft.com/office/drawing/2014/main" id="{6D6A7819-8796-4167-9D6E-7B7364C40531}"/>
+              </a:ext>
+            </a:extLst>
+          </p:cNvPr>
+          <p:cNvSpPr>
+            <a:spLocks noGrp="1"/>
+          </p:cNvSpPr>
+          <p:nvPr>
+            <p:ph type="body" sz="quarter" idx="17"/>
+          </p:nvPr>
+        </p:nvSpPr>
+        <p:spPr/>
+        <p:txBody>
+          <a:bodyPr rtlCol="0"/>
+          <a:lstStyle/>
+          <a:p>
+            <a:pPr rtl="0"/>
+            <a:endParaRPr lang="pt-BR" dirty="0"/>
+          </a:p>
+        </p:txBody>
+      </p:sp>
+      <p:sp>
+        <p:nvSpPr>
+          <p:cNvPr id="7" name="Espaço reservado para texto 6">
+            <a:extLst>
+              <a:ext uri="{FF2B5EF4-FFF2-40B4-BE49-F238E27FC236}">
+                <a16:creationId xmlns:a16="http://schemas.microsoft.com/office/drawing/2014/main" id="{DB7B4B66-460F-4DC7-9E57-0F97E65C28BC}"/>
+              </a:ext>
+            </a:extLst>
+          </p:cNvPr>
+          <p:cNvSpPr>
+            <a:spLocks noGrp="1"/>
+          </p:cNvSpPr>
+          <p:nvPr>
+            <p:ph type="body" sz="quarter" idx="12"/>
+          </p:nvPr>
+        </p:nvSpPr>
+        <p:spPr/>
+        <p:txBody>
+          <a:bodyPr rtlCol="0">
+            <a:normAutofit lnSpcReduction="10000"/>
+          </a:bodyPr>
+          <a:lstStyle/>
+          <a:p>
+            <a:pPr rtl="0"/>
+            <a:endParaRPr lang="pt-BR" dirty="0"/>
+          </a:p>
+        </p:txBody>
+      </p:sp>
+      <p:sp>
+        <p:nvSpPr>
+          <p:cNvPr id="16" name="Forma Livre: Forma 31" title="Ícone de um foguete">
+            <a:extLst>
+              <a:ext uri="{FF2B5EF4-FFF2-40B4-BE49-F238E27FC236}">
+                <a16:creationId xmlns:a16="http://schemas.microsoft.com/office/drawing/2014/main" id="{5B38476A-EA37-004D-8DDB-D19C004B7F75}"/>
+              </a:ext>
+            </a:extLst>
+          </p:cNvPr>
+          <p:cNvSpPr>
+            <a:spLocks/>
+          </p:cNvSpPr>
+          <p:nvPr/>
+        </p:nvSpPr>
+        <p:spPr bwMode="auto">
+          <a:xfrm>
+            <a:off x="5272433" y="1329571"/>
+            <a:ext cx="254148" cy="571308"/>
+          </a:xfrm>
+          <a:custGeom>
+            <a:avLst/>
+            <a:gdLst/>
+            <a:ahLst/>
+            <a:cxnLst/>
+            <a:rect l="0" t="0" r="r" b="b"/>
+            <a:pathLst>
+              <a:path w="383742" h="863421">
+                <a:moveTo>
+                  <a:pt x="193716" y="5535"/>
+                </a:moveTo>
+                <a:lnTo>
+                  <a:pt x="184861" y="15128"/>
+                </a:lnTo>
+                <a:cubicBezTo>
+                  <a:pt x="184861" y="15128"/>
+                  <a:pt x="121396" y="80069"/>
+                  <a:pt x="90401" y="173053"/>
+                </a:cubicBezTo>
+                <a:cubicBezTo>
+                  <a:pt x="80069" y="202572"/>
+                  <a:pt x="74166" y="236518"/>
+                  <a:pt x="74166" y="272679"/>
+                </a:cubicBezTo>
+                <a:cubicBezTo>
+                  <a:pt x="74166" y="316957"/>
+                  <a:pt x="79331" y="384850"/>
+                  <a:pt x="85235" y="447577"/>
+                </a:cubicBezTo>
+                <a:lnTo>
+                  <a:pt x="5535" y="526539"/>
+                </a:lnTo>
+                <a:lnTo>
+                  <a:pt x="16604" y="647566"/>
+                </a:lnTo>
+                <a:lnTo>
+                  <a:pt x="99994" y="597384"/>
+                </a:lnTo>
+                <a:cubicBezTo>
+                  <a:pt x="99994" y="598122"/>
+                  <a:pt x="100733" y="604026"/>
+                  <a:pt x="100733" y="604026"/>
+                </a:cubicBezTo>
+                <a:lnTo>
+                  <a:pt x="100733" y="606240"/>
+                </a:lnTo>
+                <a:lnTo>
+                  <a:pt x="101470" y="608453"/>
+                </a:lnTo>
+                <a:cubicBezTo>
+                  <a:pt x="101470" y="608453"/>
+                  <a:pt x="103684" y="612143"/>
+                  <a:pt x="106636" y="615095"/>
+                </a:cubicBezTo>
+                <a:cubicBezTo>
+                  <a:pt x="108112" y="615833"/>
+                  <a:pt x="109588" y="617309"/>
+                  <a:pt x="111064" y="618047"/>
+                </a:cubicBezTo>
+                <a:lnTo>
+                  <a:pt x="123609" y="668967"/>
+                </a:lnTo>
+                <a:cubicBezTo>
+                  <a:pt x="123609" y="668967"/>
+                  <a:pt x="124347" y="671181"/>
+                  <a:pt x="125085" y="672657"/>
+                </a:cubicBezTo>
+                <a:cubicBezTo>
+                  <a:pt x="125823" y="674133"/>
+                  <a:pt x="127299" y="674870"/>
+                  <a:pt x="128037" y="676346"/>
+                </a:cubicBezTo>
+                <a:cubicBezTo>
+                  <a:pt x="130989" y="678560"/>
+                  <a:pt x="133941" y="680775"/>
+                  <a:pt x="139107" y="682988"/>
+                </a:cubicBezTo>
+                <a:cubicBezTo>
+                  <a:pt x="148700" y="686678"/>
+                  <a:pt x="164198" y="689630"/>
+                  <a:pt x="191502" y="689630"/>
+                </a:cubicBezTo>
+                <a:cubicBezTo>
+                  <a:pt x="218807" y="689630"/>
+                  <a:pt x="234304" y="687416"/>
+                  <a:pt x="243898" y="682988"/>
+                </a:cubicBezTo>
+                <a:cubicBezTo>
+                  <a:pt x="249064" y="680775"/>
+                  <a:pt x="252016" y="678560"/>
+                  <a:pt x="254967" y="676346"/>
+                </a:cubicBezTo>
+                <a:cubicBezTo>
+                  <a:pt x="256443" y="674870"/>
+                  <a:pt x="257181" y="674133"/>
+                  <a:pt x="257919" y="672657"/>
+                </a:cubicBezTo>
+                <a:cubicBezTo>
+                  <a:pt x="258657" y="671181"/>
+                  <a:pt x="259395" y="668967"/>
+                  <a:pt x="259395" y="668967"/>
+                </a:cubicBezTo>
+                <a:lnTo>
+                  <a:pt x="272679" y="618047"/>
+                </a:lnTo>
+                <a:cubicBezTo>
+                  <a:pt x="274155" y="617309"/>
+                  <a:pt x="275630" y="615833"/>
+                  <a:pt x="277106" y="615095"/>
+                </a:cubicBezTo>
+                <a:cubicBezTo>
+                  <a:pt x="280058" y="612143"/>
+                  <a:pt x="282272" y="608453"/>
+                  <a:pt x="282272" y="608453"/>
+                </a:cubicBezTo>
+                <a:lnTo>
+                  <a:pt x="283010" y="606240"/>
+                </a:lnTo>
+                <a:lnTo>
+                  <a:pt x="283010" y="604026"/>
+                </a:lnTo>
+                <a:cubicBezTo>
+                  <a:pt x="283010" y="604026"/>
+                  <a:pt x="283748" y="598860"/>
+                  <a:pt x="283748" y="597384"/>
+                </a:cubicBezTo>
+                <a:lnTo>
+                  <a:pt x="366401" y="646828"/>
+                </a:lnTo>
+                <a:lnTo>
+                  <a:pt x="378208" y="525802"/>
+                </a:lnTo>
+                <a:lnTo>
+                  <a:pt x="299245" y="446839"/>
+                </a:lnTo>
+                <a:cubicBezTo>
+                  <a:pt x="305149" y="383374"/>
+                  <a:pt x="310315" y="315481"/>
+                  <a:pt x="310315" y="271941"/>
+                </a:cubicBezTo>
+                <a:cubicBezTo>
+                  <a:pt x="310315" y="235780"/>
+                  <a:pt x="303673" y="202572"/>
+                  <a:pt x="293342" y="173053"/>
+                </a:cubicBezTo>
+                <a:cubicBezTo>
+                  <a:pt x="262347" y="80807"/>
+                  <a:pt x="198882" y="15128"/>
+                  <a:pt x="198882" y="15128"/>
+                </a:cubicBezTo>
+                <a:lnTo>
+                  <a:pt x="193716" y="5535"/>
+                </a:lnTo>
+                <a:close/>
+                <a:moveTo>
+                  <a:pt x="193716" y="43171"/>
+                </a:moveTo>
+                <a:cubicBezTo>
+                  <a:pt x="206262" y="57192"/>
+                  <a:pt x="248326" y="106636"/>
+                  <a:pt x="273417" y="181171"/>
+                </a:cubicBezTo>
+                <a:cubicBezTo>
+                  <a:pt x="283010" y="209214"/>
+                  <a:pt x="288914" y="239470"/>
+                  <a:pt x="288914" y="272679"/>
+                </a:cubicBezTo>
+                <a:cubicBezTo>
+                  <a:pt x="288914" y="315481"/>
+                  <a:pt x="283748" y="384850"/>
+                  <a:pt x="277106" y="448315"/>
+                </a:cubicBezTo>
+                <a:cubicBezTo>
+                  <a:pt x="277106" y="449791"/>
+                  <a:pt x="277106" y="450529"/>
+                  <a:pt x="277106" y="452005"/>
+                </a:cubicBezTo>
+                <a:cubicBezTo>
+                  <a:pt x="270465" y="526539"/>
+                  <a:pt x="262347" y="592956"/>
+                  <a:pt x="262347" y="597384"/>
+                </a:cubicBezTo>
+                <a:cubicBezTo>
+                  <a:pt x="260871" y="598122"/>
+                  <a:pt x="259395" y="599598"/>
+                  <a:pt x="255706" y="601812"/>
+                </a:cubicBezTo>
+                <a:cubicBezTo>
+                  <a:pt x="246850" y="605502"/>
+                  <a:pt x="228401" y="609929"/>
+                  <a:pt x="194454" y="609929"/>
+                </a:cubicBezTo>
+                <a:cubicBezTo>
+                  <a:pt x="160508" y="609929"/>
+                  <a:pt x="141321" y="605502"/>
+                  <a:pt x="132465" y="601812"/>
+                </a:cubicBezTo>
+                <a:cubicBezTo>
+                  <a:pt x="128775" y="600336"/>
+                  <a:pt x="126561" y="598860"/>
+                  <a:pt x="125823" y="597384"/>
+                </a:cubicBezTo>
+                <a:cubicBezTo>
+                  <a:pt x="125085" y="592956"/>
+                  <a:pt x="117706" y="528015"/>
+                  <a:pt x="111064" y="453480"/>
+                </a:cubicBezTo>
+                <a:cubicBezTo>
+                  <a:pt x="111064" y="452005"/>
+                  <a:pt x="111064" y="450529"/>
+                  <a:pt x="110326" y="448315"/>
+                </a:cubicBezTo>
+                <a:cubicBezTo>
+                  <a:pt x="104422" y="384850"/>
+                  <a:pt x="99257" y="316219"/>
+                  <a:pt x="99257" y="272679"/>
+                </a:cubicBezTo>
+                <a:cubicBezTo>
+                  <a:pt x="99257" y="239470"/>
+                  <a:pt x="105160" y="209214"/>
+                  <a:pt x="114754" y="181171"/>
+                </a:cubicBezTo>
+                <a:cubicBezTo>
+                  <a:pt x="139107" y="106636"/>
+                  <a:pt x="181171" y="57192"/>
+                  <a:pt x="193716" y="43171"/>
+                </a:cubicBezTo>
+                <a:close/>
+                <a:moveTo>
+                  <a:pt x="150176" y="224711"/>
+                </a:moveTo>
+                <a:cubicBezTo>
+                  <a:pt x="125823" y="249064"/>
+                  <a:pt x="125823" y="288176"/>
+                  <a:pt x="150176" y="311791"/>
+                </a:cubicBezTo>
+                <a:cubicBezTo>
+                  <a:pt x="174529" y="336144"/>
+                  <a:pt x="213641" y="336144"/>
+                  <a:pt x="237256" y="311791"/>
+                </a:cubicBezTo>
+                <a:cubicBezTo>
+                  <a:pt x="261609" y="287438"/>
+                  <a:pt x="261609" y="248326"/>
+                  <a:pt x="237256" y="224711"/>
+                </a:cubicBezTo>
+                <a:cubicBezTo>
+                  <a:pt x="213641" y="200358"/>
+                  <a:pt x="173791" y="200358"/>
+                  <a:pt x="150176" y="224711"/>
+                </a:cubicBezTo>
+                <a:close/>
+                <a:moveTo>
+                  <a:pt x="167150" y="242422"/>
+                </a:moveTo>
+                <a:cubicBezTo>
+                  <a:pt x="181909" y="227663"/>
+                  <a:pt x="204786" y="227663"/>
+                  <a:pt x="219545" y="242422"/>
+                </a:cubicBezTo>
+                <a:cubicBezTo>
+                  <a:pt x="234304" y="257181"/>
+                  <a:pt x="234304" y="280058"/>
+                  <a:pt x="219545" y="294818"/>
+                </a:cubicBezTo>
+                <a:cubicBezTo>
+                  <a:pt x="204786" y="309577"/>
+                  <a:pt x="181909" y="309577"/>
+                  <a:pt x="167150" y="294818"/>
+                </a:cubicBezTo>
+                <a:cubicBezTo>
+                  <a:pt x="152390" y="280058"/>
+                  <a:pt x="153128" y="256444"/>
+                  <a:pt x="167150" y="242422"/>
+                </a:cubicBezTo>
+                <a:close/>
+                <a:moveTo>
+                  <a:pt x="31364" y="535395"/>
+                </a:moveTo>
+                <a:lnTo>
+                  <a:pt x="87449" y="479309"/>
+                </a:lnTo>
+                <a:cubicBezTo>
+                  <a:pt x="91139" y="516208"/>
+                  <a:pt x="94829" y="547941"/>
+                  <a:pt x="97043" y="570817"/>
+                </a:cubicBezTo>
+                <a:lnTo>
+                  <a:pt x="37267" y="606240"/>
+                </a:lnTo>
+                <a:lnTo>
+                  <a:pt x="31364" y="535395"/>
+                </a:lnTo>
+                <a:close/>
+                <a:moveTo>
+                  <a:pt x="140583" y="629117"/>
+                </a:moveTo>
+                <a:cubicBezTo>
+                  <a:pt x="153866" y="632068"/>
+                  <a:pt x="170101" y="634282"/>
+                  <a:pt x="193716" y="634282"/>
+                </a:cubicBezTo>
+                <a:cubicBezTo>
+                  <a:pt x="217331" y="634282"/>
+                  <a:pt x="234304" y="632068"/>
+                  <a:pt x="246850" y="629117"/>
+                </a:cubicBezTo>
+                <a:lnTo>
+                  <a:pt x="239470" y="659373"/>
+                </a:lnTo>
+                <a:cubicBezTo>
+                  <a:pt x="239470" y="659373"/>
+                  <a:pt x="239470" y="659373"/>
+                  <a:pt x="237256" y="660111"/>
+                </a:cubicBezTo>
+                <a:cubicBezTo>
+                  <a:pt x="232091" y="662325"/>
+                  <a:pt x="219545" y="665277"/>
+                  <a:pt x="193716" y="665277"/>
+                </a:cubicBezTo>
+                <a:cubicBezTo>
+                  <a:pt x="167887" y="665277"/>
+                  <a:pt x="155342" y="662325"/>
+                  <a:pt x="150176" y="660111"/>
+                </a:cubicBezTo>
+                <a:cubicBezTo>
+                  <a:pt x="148700" y="659373"/>
+                  <a:pt x="148700" y="659373"/>
+                  <a:pt x="147962" y="659373"/>
+                </a:cubicBezTo>
+                <a:lnTo>
+                  <a:pt x="140583" y="629117"/>
+                </a:lnTo>
+                <a:close/>
+                <a:moveTo>
+                  <a:pt x="299984" y="479309"/>
+                </a:moveTo>
+                <a:lnTo>
+                  <a:pt x="356069" y="535395"/>
+                </a:lnTo>
+                <a:lnTo>
+                  <a:pt x="349427" y="606240"/>
+                </a:lnTo>
+                <a:lnTo>
+                  <a:pt x="290390" y="570817"/>
+                </a:lnTo>
+                <a:cubicBezTo>
+                  <a:pt x="292604" y="547941"/>
+                  <a:pt x="296294" y="516946"/>
+                  <a:pt x="299984" y="479309"/>
+                </a:cubicBezTo>
+                <a:close/>
+                <a:moveTo>
+                  <a:pt x="146486" y="703651"/>
+                </a:moveTo>
+                <a:cubicBezTo>
+                  <a:pt x="143535" y="728742"/>
+                  <a:pt x="131727" y="743502"/>
+                  <a:pt x="131727" y="766378"/>
+                </a:cubicBezTo>
+                <a:cubicBezTo>
+                  <a:pt x="131727" y="778186"/>
+                  <a:pt x="135417" y="790731"/>
+                  <a:pt x="143535" y="804015"/>
+                </a:cubicBezTo>
+                <a:cubicBezTo>
+                  <a:pt x="151652" y="818036"/>
+                  <a:pt x="164935" y="833533"/>
+                  <a:pt x="184861" y="853458"/>
+                </a:cubicBezTo>
+                <a:lnTo>
+                  <a:pt x="193716" y="862314"/>
+                </a:lnTo>
+                <a:lnTo>
+                  <a:pt x="202572" y="853458"/>
+                </a:lnTo>
+                <a:cubicBezTo>
+                  <a:pt x="242422" y="813609"/>
+                  <a:pt x="255706" y="787041"/>
+                  <a:pt x="255706" y="763426"/>
+                </a:cubicBezTo>
+                <a:cubicBezTo>
+                  <a:pt x="255706" y="739812"/>
+                  <a:pt x="243898" y="724314"/>
+                  <a:pt x="240946" y="703651"/>
+                </a:cubicBezTo>
+                <a:lnTo>
+                  <a:pt x="216593" y="707341"/>
+                </a:lnTo>
+                <a:cubicBezTo>
+                  <a:pt x="221021" y="733908"/>
+                  <a:pt x="230615" y="749405"/>
+                  <a:pt x="231352" y="764165"/>
+                </a:cubicBezTo>
+                <a:cubicBezTo>
+                  <a:pt x="231352" y="776710"/>
+                  <a:pt x="221759" y="795897"/>
+                  <a:pt x="194454" y="826154"/>
+                </a:cubicBezTo>
+                <a:cubicBezTo>
+                  <a:pt x="181909" y="812870"/>
+                  <a:pt x="170839" y="800325"/>
+                  <a:pt x="165674" y="791470"/>
+                </a:cubicBezTo>
+                <a:cubicBezTo>
+                  <a:pt x="159032" y="780400"/>
+                  <a:pt x="157556" y="773758"/>
+                  <a:pt x="157556" y="767116"/>
+                </a:cubicBezTo>
+                <a:cubicBezTo>
+                  <a:pt x="157556" y="753833"/>
+                  <a:pt x="167887" y="737598"/>
+                  <a:pt x="171577" y="707341"/>
+                </a:cubicBezTo>
+                <a:lnTo>
+                  <a:pt x="146486" y="703651"/>
+                </a:lnTo>
+                <a:close/>
+                <a:moveTo>
+                  <a:pt x="238732" y="661587"/>
+                </a:moveTo>
+                <a:lnTo>
+                  <a:pt x="238732" y="663063"/>
+                </a:lnTo>
+                <a:cubicBezTo>
+                  <a:pt x="237994" y="662325"/>
+                  <a:pt x="238732" y="662325"/>
+                  <a:pt x="238732" y="661587"/>
+                </a:cubicBezTo>
+                <a:close/>
+              </a:path>
+            </a:pathLst>
+          </a:custGeom>
+          <a:solidFill>
+            <a:schemeClr val="accent3"/>
+          </a:solidFill>
+          <a:ln>
+            <a:noFill/>
+          </a:ln>
+        </p:spPr>
+        <p:txBody>
+          <a:bodyPr rtlCol="0" anchor="ctr"/>
+          <a:lstStyle/>
+          <a:p>
+            <a:pPr rtl="0"/>
+            <a:endParaRPr lang="pt-BR" dirty="0"/>
+          </a:p>
+        </p:txBody>
+      </p:sp>
+      <p:sp>
+        <p:nvSpPr>
+          <p:cNvPr id="11" name="Espaço Reservado para Texto 10">
+            <a:extLst>
+              <a:ext uri="{FF2B5EF4-FFF2-40B4-BE49-F238E27FC236}">
+                <a16:creationId xmlns:a16="http://schemas.microsoft.com/office/drawing/2014/main" id="{F9031EBD-8D94-4B79-970F-61DC348ACD05}"/>
+              </a:ext>
+            </a:extLst>
+          </p:cNvPr>
+          <p:cNvSpPr>
+            <a:spLocks noGrp="1"/>
+          </p:cNvSpPr>
+          <p:nvPr>
+            <p:ph type="body" sz="quarter" idx="16"/>
+          </p:nvPr>
+        </p:nvSpPr>
+        <p:spPr/>
+        <p:txBody>
+          <a:bodyPr rtlCol="0"/>
+          <a:lstStyle/>
+          <a:p>
+            <a:pPr rtl="0"/>
+            <a:endParaRPr lang="pt-BR" dirty="0"/>
+          </a:p>
+        </p:txBody>
+      </p:sp>
+      <p:sp>
+        <p:nvSpPr>
+          <p:cNvPr id="6" name="Espaço reservado para texto 5">
+            <a:extLst>
+              <a:ext uri="{FF2B5EF4-FFF2-40B4-BE49-F238E27FC236}">
+                <a16:creationId xmlns:a16="http://schemas.microsoft.com/office/drawing/2014/main" id="{F02D76DD-71B3-445D-9A0A-821689D84196}"/>
+              </a:ext>
+            </a:extLst>
+          </p:cNvPr>
+          <p:cNvSpPr>
+            <a:spLocks noGrp="1"/>
+          </p:cNvSpPr>
+          <p:nvPr>
+            <p:ph type="body" sz="quarter" idx="11"/>
+          </p:nvPr>
+        </p:nvSpPr>
+        <p:spPr/>
+        <p:txBody>
+          <a:bodyPr rtlCol="0">
+            <a:normAutofit lnSpcReduction="10000"/>
+          </a:bodyPr>
+          <a:lstStyle/>
+          <a:p>
+            <a:pPr rtl="0"/>
+            <a:endParaRPr lang="pt-BR" dirty="0"/>
+          </a:p>
+        </p:txBody>
+      </p:sp>
+      <p:sp>
+        <p:nvSpPr>
+          <p:cNvPr id="19" name="Forma Livre: Forma 31" title="Ícone de um foguete">
+            <a:extLst>
+              <a:ext uri="{FF2B5EF4-FFF2-40B4-BE49-F238E27FC236}">
+                <a16:creationId xmlns:a16="http://schemas.microsoft.com/office/drawing/2014/main" id="{80FCD723-73B1-974C-A01A-6C97EF3C567B}"/>
+              </a:ext>
+            </a:extLst>
+          </p:cNvPr>
+          <p:cNvSpPr>
+            <a:spLocks/>
+          </p:cNvSpPr>
+          <p:nvPr/>
+        </p:nvSpPr>
+        <p:spPr bwMode="auto">
+          <a:xfrm>
+            <a:off x="3017965" y="5812221"/>
+            <a:ext cx="254148" cy="571308"/>
+          </a:xfrm>
+          <a:custGeom>
+            <a:avLst/>
+            <a:gdLst/>
+            <a:ahLst/>
+            <a:cxnLst/>
+            <a:rect l="0" t="0" r="r" b="b"/>
+            <a:pathLst>
+              <a:path w="383742" h="863421">
+                <a:moveTo>
+                  <a:pt x="193716" y="5535"/>
+                </a:moveTo>
+                <a:lnTo>
+                  <a:pt x="184861" y="15128"/>
+                </a:lnTo>
+                <a:cubicBezTo>
+                  <a:pt x="184861" y="15128"/>
+                  <a:pt x="121396" y="80069"/>
+                  <a:pt x="90401" y="173053"/>
+                </a:cubicBezTo>
+                <a:cubicBezTo>
+                  <a:pt x="80069" y="202572"/>
+                  <a:pt x="74166" y="236518"/>
+                  <a:pt x="74166" y="272679"/>
+                </a:cubicBezTo>
+                <a:cubicBezTo>
+                  <a:pt x="74166" y="316957"/>
+                  <a:pt x="79331" y="384850"/>
+                  <a:pt x="85235" y="447577"/>
+                </a:cubicBezTo>
+                <a:lnTo>
+                  <a:pt x="5535" y="526539"/>
+                </a:lnTo>
+                <a:lnTo>
+                  <a:pt x="16604" y="647566"/>
+                </a:lnTo>
+                <a:lnTo>
+                  <a:pt x="99994" y="597384"/>
+                </a:lnTo>
+                <a:cubicBezTo>
+                  <a:pt x="99994" y="598122"/>
+                  <a:pt x="100733" y="604026"/>
+                  <a:pt x="100733" y="604026"/>
+                </a:cubicBezTo>
+                <a:lnTo>
+                  <a:pt x="100733" y="606240"/>
+                </a:lnTo>
+                <a:lnTo>
+                  <a:pt x="101470" y="608453"/>
+                </a:lnTo>
+                <a:cubicBezTo>
+                  <a:pt x="101470" y="608453"/>
+                  <a:pt x="103684" y="612143"/>
+                  <a:pt x="106636" y="615095"/>
+                </a:cubicBezTo>
+                <a:cubicBezTo>
+                  <a:pt x="108112" y="615833"/>
+                  <a:pt x="109588" y="617309"/>
+                  <a:pt x="111064" y="618047"/>
+                </a:cubicBezTo>
+                <a:lnTo>
+                  <a:pt x="123609" y="668967"/>
+                </a:lnTo>
+                <a:cubicBezTo>
+                  <a:pt x="123609" y="668967"/>
+                  <a:pt x="124347" y="671181"/>
+                  <a:pt x="125085" y="672657"/>
+                </a:cubicBezTo>
+                <a:cubicBezTo>
+                  <a:pt x="125823" y="674133"/>
+                  <a:pt x="127299" y="674870"/>
+                  <a:pt x="128037" y="676346"/>
+                </a:cubicBezTo>
+                <a:cubicBezTo>
+                  <a:pt x="130989" y="678560"/>
+                  <a:pt x="133941" y="680775"/>
+                  <a:pt x="139107" y="682988"/>
+                </a:cubicBezTo>
+                <a:cubicBezTo>
+                  <a:pt x="148700" y="686678"/>
+                  <a:pt x="164198" y="689630"/>
+                  <a:pt x="191502" y="689630"/>
+                </a:cubicBezTo>
+                <a:cubicBezTo>
+                  <a:pt x="218807" y="689630"/>
+                  <a:pt x="234304" y="687416"/>
+                  <a:pt x="243898" y="682988"/>
+                </a:cubicBezTo>
+                <a:cubicBezTo>
+                  <a:pt x="249064" y="680775"/>
+                  <a:pt x="252016" y="678560"/>
+                  <a:pt x="254967" y="676346"/>
+                </a:cubicBezTo>
+                <a:cubicBezTo>
+                  <a:pt x="256443" y="674870"/>
+                  <a:pt x="257181" y="674133"/>
+                  <a:pt x="257919" y="672657"/>
+                </a:cubicBezTo>
+                <a:cubicBezTo>
+                  <a:pt x="258657" y="671181"/>
+                  <a:pt x="259395" y="668967"/>
+                  <a:pt x="259395" y="668967"/>
+                </a:cubicBezTo>
+                <a:lnTo>
+                  <a:pt x="272679" y="618047"/>
+                </a:lnTo>
+                <a:cubicBezTo>
+                  <a:pt x="274155" y="617309"/>
+                  <a:pt x="275630" y="615833"/>
+                  <a:pt x="277106" y="615095"/>
+                </a:cubicBezTo>
+                <a:cubicBezTo>
+                  <a:pt x="280058" y="612143"/>
+                  <a:pt x="282272" y="608453"/>
+                  <a:pt x="282272" y="608453"/>
+                </a:cubicBezTo>
+                <a:lnTo>
+                  <a:pt x="283010" y="606240"/>
+                </a:lnTo>
+                <a:lnTo>
+                  <a:pt x="283010" y="604026"/>
+                </a:lnTo>
+                <a:cubicBezTo>
+                  <a:pt x="283010" y="604026"/>
+                  <a:pt x="283748" y="598860"/>
+                  <a:pt x="283748" y="597384"/>
+                </a:cubicBezTo>
+                <a:lnTo>
+                  <a:pt x="366401" y="646828"/>
+                </a:lnTo>
+                <a:lnTo>
+                  <a:pt x="378208" y="525802"/>
+                </a:lnTo>
+                <a:lnTo>
+                  <a:pt x="299245" y="446839"/>
+                </a:lnTo>
+                <a:cubicBezTo>
+                  <a:pt x="305149" y="383374"/>
+                  <a:pt x="310315" y="315481"/>
+                  <a:pt x="310315" y="271941"/>
+                </a:cubicBezTo>
+                <a:cubicBezTo>
+                  <a:pt x="310315" y="235780"/>
+                  <a:pt x="303673" y="202572"/>
+                  <a:pt x="293342" y="173053"/>
+                </a:cubicBezTo>
+                <a:cubicBezTo>
+                  <a:pt x="262347" y="80807"/>
+                  <a:pt x="198882" y="15128"/>
+                  <a:pt x="198882" y="15128"/>
+                </a:cubicBezTo>
+                <a:lnTo>
+                  <a:pt x="193716" y="5535"/>
+                </a:lnTo>
+                <a:close/>
+                <a:moveTo>
+                  <a:pt x="193716" y="43171"/>
+                </a:moveTo>
+                <a:cubicBezTo>
+                  <a:pt x="206262" y="57192"/>
+                  <a:pt x="248326" y="106636"/>
+                  <a:pt x="273417" y="181171"/>
+                </a:cubicBezTo>
+                <a:cubicBezTo>
+                  <a:pt x="283010" y="209214"/>
+                  <a:pt x="288914" y="239470"/>
+                  <a:pt x="288914" y="272679"/>
+                </a:cubicBezTo>
+                <a:cubicBezTo>
+                  <a:pt x="288914" y="315481"/>
+                  <a:pt x="283748" y="384850"/>
+                  <a:pt x="277106" y="448315"/>
+                </a:cubicBezTo>
+                <a:cubicBezTo>
+                  <a:pt x="277106" y="449791"/>
+                  <a:pt x="277106" y="450529"/>
+                  <a:pt x="277106" y="452005"/>
+                </a:cubicBezTo>
+                <a:cubicBezTo>
+                  <a:pt x="270465" y="526539"/>
+                  <a:pt x="262347" y="592956"/>
+                  <a:pt x="262347" y="597384"/>
+                </a:cubicBezTo>
+                <a:cubicBezTo>
+                  <a:pt x="260871" y="598122"/>
+                  <a:pt x="259395" y="599598"/>
+                  <a:pt x="255706" y="601812"/>
+                </a:cubicBezTo>
+                <a:cubicBezTo>
+                  <a:pt x="246850" y="605502"/>
+                  <a:pt x="228401" y="609929"/>
+                  <a:pt x="194454" y="609929"/>
+                </a:cubicBezTo>
+                <a:cubicBezTo>
+                  <a:pt x="160508" y="609929"/>
+                  <a:pt x="141321" y="605502"/>
+                  <a:pt x="132465" y="601812"/>
+                </a:cubicBezTo>
+                <a:cubicBezTo>
+                  <a:pt x="128775" y="600336"/>
+                  <a:pt x="126561" y="598860"/>
+                  <a:pt x="125823" y="597384"/>
+                </a:cubicBezTo>
+                <a:cubicBezTo>
+                  <a:pt x="125085" y="592956"/>
+                  <a:pt x="117706" y="528015"/>
+                  <a:pt x="111064" y="453480"/>
+                </a:cubicBezTo>
+                <a:cubicBezTo>
+                  <a:pt x="111064" y="452005"/>
+                  <a:pt x="111064" y="450529"/>
+                  <a:pt x="110326" y="448315"/>
+                </a:cubicBezTo>
+                <a:cubicBezTo>
+                  <a:pt x="104422" y="384850"/>
+                  <a:pt x="99257" y="316219"/>
+                  <a:pt x="99257" y="272679"/>
+                </a:cubicBezTo>
+                <a:cubicBezTo>
+                  <a:pt x="99257" y="239470"/>
+                  <a:pt x="105160" y="209214"/>
+                  <a:pt x="114754" y="181171"/>
+                </a:cubicBezTo>
+                <a:cubicBezTo>
+                  <a:pt x="139107" y="106636"/>
+                  <a:pt x="181171" y="57192"/>
+                  <a:pt x="193716" y="43171"/>
+                </a:cubicBezTo>
+                <a:close/>
+                <a:moveTo>
+                  <a:pt x="150176" y="224711"/>
+                </a:moveTo>
+                <a:cubicBezTo>
+                  <a:pt x="125823" y="249064"/>
+                  <a:pt x="125823" y="288176"/>
+                  <a:pt x="150176" y="311791"/>
+                </a:cubicBezTo>
+                <a:cubicBezTo>
+                  <a:pt x="174529" y="336144"/>
+                  <a:pt x="213641" y="336144"/>
+                  <a:pt x="237256" y="311791"/>
+                </a:cubicBezTo>
+                <a:cubicBezTo>
+                  <a:pt x="261609" y="287438"/>
+                  <a:pt x="261609" y="248326"/>
+                  <a:pt x="237256" y="224711"/>
+                </a:cubicBezTo>
+                <a:cubicBezTo>
+                  <a:pt x="213641" y="200358"/>
+                  <a:pt x="173791" y="200358"/>
+                  <a:pt x="150176" y="224711"/>
+                </a:cubicBezTo>
+                <a:close/>
+                <a:moveTo>
+                  <a:pt x="167150" y="242422"/>
+                </a:moveTo>
+                <a:cubicBezTo>
+                  <a:pt x="181909" y="227663"/>
+                  <a:pt x="204786" y="227663"/>
+                  <a:pt x="219545" y="242422"/>
+                </a:cubicBezTo>
+                <a:cubicBezTo>
+                  <a:pt x="234304" y="257181"/>
+                  <a:pt x="234304" y="280058"/>
+                  <a:pt x="219545" y="294818"/>
+                </a:cubicBezTo>
+                <a:cubicBezTo>
+                  <a:pt x="204786" y="309577"/>
+                  <a:pt x="181909" y="309577"/>
+                  <a:pt x="167150" y="294818"/>
+                </a:cubicBezTo>
+                <a:cubicBezTo>
+                  <a:pt x="152390" y="280058"/>
+                  <a:pt x="153128" y="256444"/>
+                  <a:pt x="167150" y="242422"/>
+                </a:cubicBezTo>
+                <a:close/>
+                <a:moveTo>
+                  <a:pt x="31364" y="535395"/>
+                </a:moveTo>
+                <a:lnTo>
+                  <a:pt x="87449" y="479309"/>
+                </a:lnTo>
+                <a:cubicBezTo>
+                  <a:pt x="91139" y="516208"/>
+                  <a:pt x="94829" y="547941"/>
+                  <a:pt x="97043" y="570817"/>
+                </a:cubicBezTo>
+                <a:lnTo>
+                  <a:pt x="37267" y="606240"/>
+                </a:lnTo>
+                <a:lnTo>
+                  <a:pt x="31364" y="535395"/>
+                </a:lnTo>
+                <a:close/>
+                <a:moveTo>
+                  <a:pt x="140583" y="629117"/>
+                </a:moveTo>
+                <a:cubicBezTo>
+                  <a:pt x="153866" y="632068"/>
+                  <a:pt x="170101" y="634282"/>
+                  <a:pt x="193716" y="634282"/>
+                </a:cubicBezTo>
+                <a:cubicBezTo>
+                  <a:pt x="217331" y="634282"/>
+                  <a:pt x="234304" y="632068"/>
+                  <a:pt x="246850" y="629117"/>
+                </a:cubicBezTo>
+                <a:lnTo>
+                  <a:pt x="239470" y="659373"/>
+                </a:lnTo>
+                <a:cubicBezTo>
+                  <a:pt x="239470" y="659373"/>
+                  <a:pt x="239470" y="659373"/>
+                  <a:pt x="237256" y="660111"/>
+                </a:cubicBezTo>
+                <a:cubicBezTo>
+                  <a:pt x="232091" y="662325"/>
+                  <a:pt x="219545" y="665277"/>
+                  <a:pt x="193716" y="665277"/>
+                </a:cubicBezTo>
+                <a:cubicBezTo>
+                  <a:pt x="167887" y="665277"/>
+                  <a:pt x="155342" y="662325"/>
+                  <a:pt x="150176" y="660111"/>
+                </a:cubicBezTo>
+                <a:cubicBezTo>
+                  <a:pt x="148700" y="659373"/>
+                  <a:pt x="148700" y="659373"/>
+                  <a:pt x="147962" y="659373"/>
+                </a:cubicBezTo>
+                <a:lnTo>
+                  <a:pt x="140583" y="629117"/>
+                </a:lnTo>
+                <a:close/>
+                <a:moveTo>
+                  <a:pt x="299984" y="479309"/>
+                </a:moveTo>
+                <a:lnTo>
+                  <a:pt x="356069" y="535395"/>
+                </a:lnTo>
+                <a:lnTo>
+                  <a:pt x="349427" y="606240"/>
+                </a:lnTo>
+                <a:lnTo>
+                  <a:pt x="290390" y="570817"/>
+                </a:lnTo>
+                <a:cubicBezTo>
+                  <a:pt x="292604" y="547941"/>
+                  <a:pt x="296294" y="516946"/>
+                  <a:pt x="299984" y="479309"/>
+                </a:cubicBezTo>
+                <a:close/>
+                <a:moveTo>
+                  <a:pt x="146486" y="703651"/>
+                </a:moveTo>
+                <a:cubicBezTo>
+                  <a:pt x="143535" y="728742"/>
+                  <a:pt x="131727" y="743502"/>
+                  <a:pt x="131727" y="766378"/>
+                </a:cubicBezTo>
+                <a:cubicBezTo>
+                  <a:pt x="131727" y="778186"/>
+                  <a:pt x="135417" y="790731"/>
+                  <a:pt x="143535" y="804015"/>
+                </a:cubicBezTo>
+                <a:cubicBezTo>
+                  <a:pt x="151652" y="818036"/>
+                  <a:pt x="164935" y="833533"/>
+                  <a:pt x="184861" y="853458"/>
+                </a:cubicBezTo>
+                <a:lnTo>
+                  <a:pt x="193716" y="862314"/>
+                </a:lnTo>
+                <a:lnTo>
+                  <a:pt x="202572" y="853458"/>
+                </a:lnTo>
+                <a:cubicBezTo>
+                  <a:pt x="242422" y="813609"/>
+                  <a:pt x="255706" y="787041"/>
+                  <a:pt x="255706" y="763426"/>
+                </a:cubicBezTo>
+                <a:cubicBezTo>
+                  <a:pt x="255706" y="739812"/>
+                  <a:pt x="243898" y="724314"/>
+                  <a:pt x="240946" y="703651"/>
+                </a:cubicBezTo>
+                <a:lnTo>
+                  <a:pt x="216593" y="707341"/>
+                </a:lnTo>
+                <a:cubicBezTo>
+                  <a:pt x="221021" y="733908"/>
+                  <a:pt x="230615" y="749405"/>
+                  <a:pt x="231352" y="764165"/>
+                </a:cubicBezTo>
+                <a:cubicBezTo>
+                  <a:pt x="231352" y="776710"/>
+                  <a:pt x="221759" y="795897"/>
+                  <a:pt x="194454" y="826154"/>
+                </a:cubicBezTo>
+                <a:cubicBezTo>
+                  <a:pt x="181909" y="812870"/>
+                  <a:pt x="170839" y="800325"/>
+                  <a:pt x="165674" y="791470"/>
+                </a:cubicBezTo>
+                <a:cubicBezTo>
+                  <a:pt x="159032" y="780400"/>
+                  <a:pt x="157556" y="773758"/>
+                  <a:pt x="157556" y="767116"/>
+                </a:cubicBezTo>
+                <a:cubicBezTo>
+                  <a:pt x="157556" y="753833"/>
+                  <a:pt x="167887" y="737598"/>
+                  <a:pt x="171577" y="707341"/>
+                </a:cubicBezTo>
+                <a:lnTo>
+                  <a:pt x="146486" y="703651"/>
+                </a:lnTo>
+                <a:close/>
+                <a:moveTo>
+                  <a:pt x="238732" y="661587"/>
+                </a:moveTo>
+                <a:lnTo>
+                  <a:pt x="238732" y="663063"/>
+                </a:lnTo>
+                <a:cubicBezTo>
+                  <a:pt x="237994" y="662325"/>
+                  <a:pt x="238732" y="662325"/>
+                  <a:pt x="238732" y="661587"/>
+                </a:cubicBezTo>
+                <a:close/>
+              </a:path>
+            </a:pathLst>
+          </a:custGeom>
+          <a:solidFill>
+            <a:schemeClr val="accent2"/>
+          </a:solidFill>
+          <a:ln>
+            <a:noFill/>
+          </a:ln>
+        </p:spPr>
+        <p:txBody>
+          <a:bodyPr rtlCol="0" anchor="ctr"/>
+          <a:lstStyle/>
+          <a:p>
+            <a:pPr rtl="0"/>
+            <a:endParaRPr lang="pt-BR" dirty="0"/>
+          </a:p>
+        </p:txBody>
+      </p:sp>
+      <p:sp>
+        <p:nvSpPr>
+          <p:cNvPr id="10" name="Espaço reservado para texto 9">
+            <a:extLst>
+              <a:ext uri="{FF2B5EF4-FFF2-40B4-BE49-F238E27FC236}">
+                <a16:creationId xmlns:a16="http://schemas.microsoft.com/office/drawing/2014/main" id="{5BDA77B9-A8AA-4E63-9391-C6F01B6A2E9C}"/>
+              </a:ext>
+            </a:extLst>
+          </p:cNvPr>
+          <p:cNvSpPr>
+            <a:spLocks noGrp="1"/>
+          </p:cNvSpPr>
+          <p:nvPr>
+            <p:ph type="body" sz="quarter" idx="15"/>
+          </p:nvPr>
+        </p:nvSpPr>
+        <p:spPr/>
+        <p:txBody>
+          <a:bodyPr rtlCol="0"/>
+          <a:lstStyle/>
+          <a:p>
+            <a:pPr rtl="0"/>
+            <a:endParaRPr lang="pt-BR" dirty="0"/>
+          </a:p>
+        </p:txBody>
+      </p:sp>
+      <p:sp>
+        <p:nvSpPr>
+          <p:cNvPr id="5" name="Espaço Reservado para texto 4">
+            <a:extLst>
+              <a:ext uri="{FF2B5EF4-FFF2-40B4-BE49-F238E27FC236}">
+                <a16:creationId xmlns:a16="http://schemas.microsoft.com/office/drawing/2014/main" id="{41DBC38F-075F-40D6-81E4-1C197703024F}"/>
+              </a:ext>
+            </a:extLst>
+          </p:cNvPr>
+          <p:cNvSpPr>
+            <a:spLocks noGrp="1"/>
+          </p:cNvSpPr>
+          <p:nvPr>
+            <p:ph type="body" sz="quarter" idx="10"/>
+          </p:nvPr>
+        </p:nvSpPr>
+        <p:spPr/>
+        <p:txBody>
+          <a:bodyPr rtlCol="0">
+            <a:normAutofit/>
+          </a:bodyPr>
+          <a:lstStyle/>
+          <a:p>
+            <a:pPr rtl="0"/>
+            <a:endParaRPr lang="pt-BR" dirty="0"/>
+          </a:p>
+        </p:txBody>
+      </p:sp>
+      <p:sp>
+        <p:nvSpPr>
+          <p:cNvPr id="15" name="Forma Livre: Forma 31" title="Ícone de um foguete">
+            <a:extLst>
+              <a:ext uri="{FF2B5EF4-FFF2-40B4-BE49-F238E27FC236}">
+                <a16:creationId xmlns:a16="http://schemas.microsoft.com/office/drawing/2014/main" id="{5B712997-FCC8-6949-B03C-419CF415B0C5}"/>
+              </a:ext>
+            </a:extLst>
+          </p:cNvPr>
+          <p:cNvSpPr>
+            <a:spLocks/>
+          </p:cNvSpPr>
+          <p:nvPr/>
+        </p:nvSpPr>
+        <p:spPr bwMode="auto">
+          <a:xfrm>
+            <a:off x="726724" y="1334826"/>
+            <a:ext cx="254148" cy="571308"/>
+          </a:xfrm>
+          <a:custGeom>
+            <a:avLst/>
+            <a:gdLst/>
+            <a:ahLst/>
+            <a:cxnLst/>
+            <a:rect l="0" t="0" r="r" b="b"/>
+            <a:pathLst>
+              <a:path w="383742" h="863421">
+                <a:moveTo>
+                  <a:pt x="193716" y="5535"/>
+                </a:moveTo>
+                <a:lnTo>
+                  <a:pt x="184861" y="15128"/>
+                </a:lnTo>
+                <a:cubicBezTo>
+                  <a:pt x="184861" y="15128"/>
+                  <a:pt x="121396" y="80069"/>
+                  <a:pt x="90401" y="173053"/>
+                </a:cubicBezTo>
+                <a:cubicBezTo>
+                  <a:pt x="80069" y="202572"/>
+                  <a:pt x="74166" y="236518"/>
+                  <a:pt x="74166" y="272679"/>
+                </a:cubicBezTo>
+                <a:cubicBezTo>
+                  <a:pt x="74166" y="316957"/>
+                  <a:pt x="79331" y="384850"/>
+                  <a:pt x="85235" y="447577"/>
+                </a:cubicBezTo>
+                <a:lnTo>
+                  <a:pt x="5535" y="526539"/>
+                </a:lnTo>
+                <a:lnTo>
+                  <a:pt x="16604" y="647566"/>
+                </a:lnTo>
+                <a:lnTo>
+                  <a:pt x="99994" y="597384"/>
+                </a:lnTo>
+                <a:cubicBezTo>
+                  <a:pt x="99994" y="598122"/>
+                  <a:pt x="100733" y="604026"/>
+                  <a:pt x="100733" y="604026"/>
+                </a:cubicBezTo>
+                <a:lnTo>
+                  <a:pt x="100733" y="606240"/>
+                </a:lnTo>
+                <a:lnTo>
+                  <a:pt x="101470" y="608453"/>
+                </a:lnTo>
+                <a:cubicBezTo>
+                  <a:pt x="101470" y="608453"/>
+                  <a:pt x="103684" y="612143"/>
+                  <a:pt x="106636" y="615095"/>
+                </a:cubicBezTo>
+                <a:cubicBezTo>
+                  <a:pt x="108112" y="615833"/>
+                  <a:pt x="109588" y="617309"/>
+                  <a:pt x="111064" y="618047"/>
+                </a:cubicBezTo>
+                <a:lnTo>
+                  <a:pt x="123609" y="668967"/>
+                </a:lnTo>
+                <a:cubicBezTo>
+                  <a:pt x="123609" y="668967"/>
+                  <a:pt x="124347" y="671181"/>
+                  <a:pt x="125085" y="672657"/>
+                </a:cubicBezTo>
+                <a:cubicBezTo>
+                  <a:pt x="125823" y="674133"/>
+                  <a:pt x="127299" y="674870"/>
+                  <a:pt x="128037" y="676346"/>
+                </a:cubicBezTo>
+                <a:cubicBezTo>
+                  <a:pt x="130989" y="678560"/>
+                  <a:pt x="133941" y="680775"/>
+                  <a:pt x="139107" y="682988"/>
+                </a:cubicBezTo>
+                <a:cubicBezTo>
+                  <a:pt x="148700" y="686678"/>
+                  <a:pt x="164198" y="689630"/>
+                  <a:pt x="191502" y="689630"/>
+                </a:cubicBezTo>
+                <a:cubicBezTo>
+                  <a:pt x="218807" y="689630"/>
+                  <a:pt x="234304" y="687416"/>
+                  <a:pt x="243898" y="682988"/>
+                </a:cubicBezTo>
+                <a:cubicBezTo>
+                  <a:pt x="249064" y="680775"/>
+                  <a:pt x="252016" y="678560"/>
+                  <a:pt x="254967" y="676346"/>
+                </a:cubicBezTo>
+                <a:cubicBezTo>
+                  <a:pt x="256443" y="674870"/>
+                  <a:pt x="257181" y="674133"/>
+                  <a:pt x="257919" y="672657"/>
+                </a:cubicBezTo>
+                <a:cubicBezTo>
+                  <a:pt x="258657" y="671181"/>
+                  <a:pt x="259395" y="668967"/>
+                  <a:pt x="259395" y="668967"/>
+                </a:cubicBezTo>
+                <a:lnTo>
+                  <a:pt x="272679" y="618047"/>
+                </a:lnTo>
+                <a:cubicBezTo>
+                  <a:pt x="274155" y="617309"/>
+                  <a:pt x="275630" y="615833"/>
+                  <a:pt x="277106" y="615095"/>
+                </a:cubicBezTo>
+                <a:cubicBezTo>
+                  <a:pt x="280058" y="612143"/>
+                  <a:pt x="282272" y="608453"/>
+                  <a:pt x="282272" y="608453"/>
+                </a:cubicBezTo>
+                <a:lnTo>
+                  <a:pt x="283010" y="606240"/>
+                </a:lnTo>
+                <a:lnTo>
+                  <a:pt x="283010" y="604026"/>
+                </a:lnTo>
+                <a:cubicBezTo>
+                  <a:pt x="283010" y="604026"/>
+                  <a:pt x="283748" y="598860"/>
+                  <a:pt x="283748" y="597384"/>
+                </a:cubicBezTo>
+                <a:lnTo>
+                  <a:pt x="366401" y="646828"/>
+                </a:lnTo>
+                <a:lnTo>
+                  <a:pt x="378208" y="525802"/>
+                </a:lnTo>
+                <a:lnTo>
+                  <a:pt x="299245" y="446839"/>
+                </a:lnTo>
+                <a:cubicBezTo>
+                  <a:pt x="305149" y="383374"/>
+                  <a:pt x="310315" y="315481"/>
+                  <a:pt x="310315" y="271941"/>
+                </a:cubicBezTo>
+                <a:cubicBezTo>
+                  <a:pt x="310315" y="235780"/>
+                  <a:pt x="303673" y="202572"/>
+                  <a:pt x="293342" y="173053"/>
+                </a:cubicBezTo>
+                <a:cubicBezTo>
+                  <a:pt x="262347" y="80807"/>
+                  <a:pt x="198882" y="15128"/>
+                  <a:pt x="198882" y="15128"/>
+                </a:cubicBezTo>
+                <a:lnTo>
+                  <a:pt x="193716" y="5535"/>
+                </a:lnTo>
+                <a:close/>
+                <a:moveTo>
+                  <a:pt x="193716" y="43171"/>
+                </a:moveTo>
+                <a:cubicBezTo>
+                  <a:pt x="206262" y="57192"/>
+                  <a:pt x="248326" y="106636"/>
+                  <a:pt x="273417" y="181171"/>
+                </a:cubicBezTo>
+                <a:cubicBezTo>
+                  <a:pt x="283010" y="209214"/>
+                  <a:pt x="288914" y="239470"/>
+                  <a:pt x="288914" y="272679"/>
+                </a:cubicBezTo>
+                <a:cubicBezTo>
+                  <a:pt x="288914" y="315481"/>
+                  <a:pt x="283748" y="384850"/>
+                  <a:pt x="277106" y="448315"/>
+                </a:cubicBezTo>
+                <a:cubicBezTo>
+                  <a:pt x="277106" y="449791"/>
+                  <a:pt x="277106" y="450529"/>
+                  <a:pt x="277106" y="452005"/>
+                </a:cubicBezTo>
+                <a:cubicBezTo>
+                  <a:pt x="270465" y="526539"/>
+                  <a:pt x="262347" y="592956"/>
+                  <a:pt x="262347" y="597384"/>
+                </a:cubicBezTo>
+                <a:cubicBezTo>
+                  <a:pt x="260871" y="598122"/>
+                  <a:pt x="259395" y="599598"/>
+                  <a:pt x="255706" y="601812"/>
+                </a:cubicBezTo>
+                <a:cubicBezTo>
+                  <a:pt x="246850" y="605502"/>
+                  <a:pt x="228401" y="609929"/>
+                  <a:pt x="194454" y="609929"/>
+                </a:cubicBezTo>
+                <a:cubicBezTo>
+                  <a:pt x="160508" y="609929"/>
+                  <a:pt x="141321" y="605502"/>
+                  <a:pt x="132465" y="601812"/>
+                </a:cubicBezTo>
+                <a:cubicBezTo>
+                  <a:pt x="128775" y="600336"/>
+                  <a:pt x="126561" y="598860"/>
+                  <a:pt x="125823" y="597384"/>
+                </a:cubicBezTo>
+                <a:cubicBezTo>
+                  <a:pt x="125085" y="592956"/>
+                  <a:pt x="117706" y="528015"/>
+                  <a:pt x="111064" y="453480"/>
+                </a:cubicBezTo>
+                <a:cubicBezTo>
+                  <a:pt x="111064" y="452005"/>
+                  <a:pt x="111064" y="450529"/>
+                  <a:pt x="110326" y="448315"/>
+                </a:cubicBezTo>
+                <a:cubicBezTo>
+                  <a:pt x="104422" y="384850"/>
+                  <a:pt x="99257" y="316219"/>
+                  <a:pt x="99257" y="272679"/>
+                </a:cubicBezTo>
+                <a:cubicBezTo>
+                  <a:pt x="99257" y="239470"/>
+                  <a:pt x="105160" y="209214"/>
+                  <a:pt x="114754" y="181171"/>
+                </a:cubicBezTo>
+                <a:cubicBezTo>
+                  <a:pt x="139107" y="106636"/>
+                  <a:pt x="181171" y="57192"/>
+                  <a:pt x="193716" y="43171"/>
+                </a:cubicBezTo>
+                <a:close/>
+                <a:moveTo>
+                  <a:pt x="150176" y="224711"/>
+                </a:moveTo>
+                <a:cubicBezTo>
+                  <a:pt x="125823" y="249064"/>
+                  <a:pt x="125823" y="288176"/>
+                  <a:pt x="150176" y="311791"/>
+                </a:cubicBezTo>
+                <a:cubicBezTo>
+                  <a:pt x="174529" y="336144"/>
+                  <a:pt x="213641" y="336144"/>
+                  <a:pt x="237256" y="311791"/>
+                </a:cubicBezTo>
+                <a:cubicBezTo>
+                  <a:pt x="261609" y="287438"/>
+                  <a:pt x="261609" y="248326"/>
+                  <a:pt x="237256" y="224711"/>
+                </a:cubicBezTo>
+                <a:cubicBezTo>
+                  <a:pt x="213641" y="200358"/>
+                  <a:pt x="173791" y="200358"/>
+                  <a:pt x="150176" y="224711"/>
+                </a:cubicBezTo>
+                <a:close/>
+                <a:moveTo>
+                  <a:pt x="167150" y="242422"/>
+                </a:moveTo>
+                <a:cubicBezTo>
+                  <a:pt x="181909" y="227663"/>
+                  <a:pt x="204786" y="227663"/>
+                  <a:pt x="219545" y="242422"/>
+                </a:cubicBezTo>
+                <a:cubicBezTo>
+                  <a:pt x="234304" y="257181"/>
+                  <a:pt x="234304" y="280058"/>
+                  <a:pt x="219545" y="294818"/>
+                </a:cubicBezTo>
+                <a:cubicBezTo>
+                  <a:pt x="204786" y="309577"/>
+                  <a:pt x="181909" y="309577"/>
+                  <a:pt x="167150" y="294818"/>
+                </a:cubicBezTo>
+                <a:cubicBezTo>
+                  <a:pt x="152390" y="280058"/>
+                  <a:pt x="153128" y="256444"/>
+                  <a:pt x="167150" y="242422"/>
+                </a:cubicBezTo>
+                <a:close/>
+                <a:moveTo>
+                  <a:pt x="31364" y="535395"/>
+                </a:moveTo>
+                <a:lnTo>
+                  <a:pt x="87449" y="479309"/>
+                </a:lnTo>
+                <a:cubicBezTo>
+                  <a:pt x="91139" y="516208"/>
+                  <a:pt x="94829" y="547941"/>
+                  <a:pt x="97043" y="570817"/>
+                </a:cubicBezTo>
+                <a:lnTo>
+                  <a:pt x="37267" y="606240"/>
+                </a:lnTo>
+                <a:lnTo>
+                  <a:pt x="31364" y="535395"/>
+                </a:lnTo>
+                <a:close/>
+                <a:moveTo>
+                  <a:pt x="140583" y="629117"/>
+                </a:moveTo>
+                <a:cubicBezTo>
+                  <a:pt x="153866" y="632068"/>
+                  <a:pt x="170101" y="634282"/>
+                  <a:pt x="193716" y="634282"/>
+                </a:cubicBezTo>
+                <a:cubicBezTo>
+                  <a:pt x="217331" y="634282"/>
+                  <a:pt x="234304" y="632068"/>
+                  <a:pt x="246850" y="629117"/>
+                </a:cubicBezTo>
+                <a:lnTo>
+                  <a:pt x="239470" y="659373"/>
+                </a:lnTo>
+                <a:cubicBezTo>
+                  <a:pt x="239470" y="659373"/>
+                  <a:pt x="239470" y="659373"/>
+                  <a:pt x="237256" y="660111"/>
+                </a:cubicBezTo>
+                <a:cubicBezTo>
+                  <a:pt x="232091" y="662325"/>
+                  <a:pt x="219545" y="665277"/>
+                  <a:pt x="193716" y="665277"/>
+                </a:cubicBezTo>
+                <a:cubicBezTo>
+                  <a:pt x="167887" y="665277"/>
+                  <a:pt x="155342" y="662325"/>
+                  <a:pt x="150176" y="660111"/>
+                </a:cubicBezTo>
+                <a:cubicBezTo>
+                  <a:pt x="148700" y="659373"/>
+                  <a:pt x="148700" y="659373"/>
+                  <a:pt x="147962" y="659373"/>
+                </a:cubicBezTo>
+                <a:lnTo>
+                  <a:pt x="140583" y="629117"/>
+                </a:lnTo>
+                <a:close/>
+                <a:moveTo>
+                  <a:pt x="299984" y="479309"/>
+                </a:moveTo>
+                <a:lnTo>
+                  <a:pt x="356069" y="535395"/>
+                </a:lnTo>
+                <a:lnTo>
+                  <a:pt x="349427" y="606240"/>
+                </a:lnTo>
+                <a:lnTo>
+                  <a:pt x="290390" y="570817"/>
+                </a:lnTo>
+                <a:cubicBezTo>
+                  <a:pt x="292604" y="547941"/>
+                  <a:pt x="296294" y="516946"/>
+                  <a:pt x="299984" y="479309"/>
+                </a:cubicBezTo>
+                <a:close/>
+                <a:moveTo>
+                  <a:pt x="146486" y="703651"/>
+                </a:moveTo>
+                <a:cubicBezTo>
+                  <a:pt x="143535" y="728742"/>
+                  <a:pt x="131727" y="743502"/>
+                  <a:pt x="131727" y="766378"/>
+                </a:cubicBezTo>
+                <a:cubicBezTo>
+                  <a:pt x="131727" y="778186"/>
+                  <a:pt x="135417" y="790731"/>
+                  <a:pt x="143535" y="804015"/>
+                </a:cubicBezTo>
+                <a:cubicBezTo>
+                  <a:pt x="151652" y="818036"/>
+                  <a:pt x="164935" y="833533"/>
+                  <a:pt x="184861" y="853458"/>
+                </a:cubicBezTo>
+                <a:lnTo>
+                  <a:pt x="193716" y="862314"/>
+                </a:lnTo>
+                <a:lnTo>
+                  <a:pt x="202572" y="853458"/>
+                </a:lnTo>
+                <a:cubicBezTo>
+                  <a:pt x="242422" y="813609"/>
+                  <a:pt x="255706" y="787041"/>
+                  <a:pt x="255706" y="763426"/>
+                </a:cubicBezTo>
+                <a:cubicBezTo>
+                  <a:pt x="255706" y="739812"/>
+                  <a:pt x="243898" y="724314"/>
+                  <a:pt x="240946" y="703651"/>
+                </a:cubicBezTo>
+                <a:lnTo>
+                  <a:pt x="216593" y="707341"/>
+                </a:lnTo>
+                <a:cubicBezTo>
+                  <a:pt x="221021" y="733908"/>
+                  <a:pt x="230615" y="749405"/>
+                  <a:pt x="231352" y="764165"/>
+                </a:cubicBezTo>
+                <a:cubicBezTo>
+                  <a:pt x="231352" y="776710"/>
+                  <a:pt x="221759" y="795897"/>
+                  <a:pt x="194454" y="826154"/>
+                </a:cubicBezTo>
+                <a:cubicBezTo>
+                  <a:pt x="181909" y="812870"/>
+                  <a:pt x="170839" y="800325"/>
+                  <a:pt x="165674" y="791470"/>
+                </a:cubicBezTo>
+                <a:cubicBezTo>
+                  <a:pt x="159032" y="780400"/>
+                  <a:pt x="157556" y="773758"/>
+                  <a:pt x="157556" y="767116"/>
+                </a:cubicBezTo>
+                <a:cubicBezTo>
+                  <a:pt x="157556" y="753833"/>
+                  <a:pt x="167887" y="737598"/>
+                  <a:pt x="171577" y="707341"/>
+                </a:cubicBezTo>
+                <a:lnTo>
+                  <a:pt x="146486" y="703651"/>
+                </a:lnTo>
+                <a:close/>
+                <a:moveTo>
+                  <a:pt x="238732" y="661587"/>
+                </a:moveTo>
+                <a:lnTo>
+                  <a:pt x="238732" y="663063"/>
+                </a:lnTo>
+                <a:cubicBezTo>
+                  <a:pt x="237994" y="662325"/>
+                  <a:pt x="238732" y="662325"/>
+                  <a:pt x="238732" y="661587"/>
+                </a:cubicBezTo>
+                <a:close/>
+              </a:path>
+            </a:pathLst>
+          </a:custGeom>
+          <a:solidFill>
+            <a:schemeClr val="accent1"/>
+          </a:solidFill>
+          <a:ln>
+            <a:noFill/>
+          </a:ln>
+        </p:spPr>
+        <p:txBody>
+          <a:bodyPr rtlCol="0" anchor="ctr"/>
+          <a:lstStyle/>
+          <a:p>
+            <a:pPr rtl="0"/>
+            <a:endParaRPr lang="pt-BR" dirty="0"/>
+          </a:p>
+        </p:txBody>
+      </p:sp>
+      <p:sp>
+        <p:nvSpPr>
+          <p:cNvPr id="4" name="Título 3">
+            <a:extLst>
+              <a:ext uri="{FF2B5EF4-FFF2-40B4-BE49-F238E27FC236}">
+                <a16:creationId xmlns:a16="http://schemas.microsoft.com/office/drawing/2014/main" id="{D4923A4D-100D-481E-AF24-DDCA64B028D7}"/>
+              </a:ext>
+            </a:extLst>
+          </p:cNvPr>
+          <p:cNvSpPr>
+            <a:spLocks noGrp="1"/>
+          </p:cNvSpPr>
+          <p:nvPr>
+            <p:ph type="title"/>
+          </p:nvPr>
+        </p:nvSpPr>
+        <p:spPr/>
+        <p:txBody>
+          <a:bodyPr rtlCol="0">
+            <a:normAutofit fontScale="90000"/>
+          </a:bodyPr>
+          <a:lstStyle/>
+          <a:p>
+            <a:pPr rtl="0"/>
+            <a:r>
+              <a:rPr lang="pt-BR" dirty="0"/>
+              <a:t>Soft Skills</a:t>
+            </a:r>
+          </a:p>
+        </p:txBody>
+      </p:sp>
+    </p:spTree>
+    <p:extLst>
+      <p:ext uri="{BB962C8B-B14F-4D97-AF65-F5344CB8AC3E}">
+        <p14:creationId xmlns:p14="http://schemas.microsoft.com/office/powerpoint/2010/main" val="714387637"/>
       </p:ext>
     </p:extLst>
   </p:cSld>
